--- a/Multi_Agent/PPTX/Stabilising Experience Replay for Deep Multi-Agent Reinforcement Learning.pptx
+++ b/Multi_Agent/PPTX/Stabilising Experience Replay for Deep Multi-Agent Reinforcement Learning.pptx
@@ -5,7 +5,7 @@
     <p:sldMasterId id="2147483672" r:id="rId1"/>
   </p:sldMasterIdLst>
   <p:notesMasterIdLst>
-    <p:notesMasterId r:id="rId22"/>
+    <p:notesMasterId r:id="rId25"/>
   </p:notesMasterIdLst>
   <p:sldIdLst>
     <p:sldId id="449" r:id="rId2"/>
@@ -19,15 +19,18 @@
     <p:sldId id="497" r:id="rId10"/>
     <p:sldId id="556" r:id="rId11"/>
     <p:sldId id="546" r:id="rId12"/>
-    <p:sldId id="567" r:id="rId13"/>
-    <p:sldId id="568" r:id="rId14"/>
-    <p:sldId id="557" r:id="rId15"/>
-    <p:sldId id="569" r:id="rId16"/>
-    <p:sldId id="558" r:id="rId17"/>
-    <p:sldId id="570" r:id="rId18"/>
-    <p:sldId id="571" r:id="rId19"/>
-    <p:sldId id="536" r:id="rId20"/>
-    <p:sldId id="537" r:id="rId21"/>
+    <p:sldId id="572" r:id="rId13"/>
+    <p:sldId id="567" r:id="rId14"/>
+    <p:sldId id="574" r:id="rId15"/>
+    <p:sldId id="573" r:id="rId16"/>
+    <p:sldId id="568" r:id="rId17"/>
+    <p:sldId id="557" r:id="rId18"/>
+    <p:sldId id="569" r:id="rId19"/>
+    <p:sldId id="558" r:id="rId20"/>
+    <p:sldId id="570" r:id="rId21"/>
+    <p:sldId id="571" r:id="rId22"/>
+    <p:sldId id="536" r:id="rId23"/>
+    <p:sldId id="537" r:id="rId24"/>
   </p:sldIdLst>
   <p:sldSz cx="9144000" cy="6858000" type="screen4x3"/>
   <p:notesSz cx="6797675" cy="9928225"/>
@@ -729,7 +732,7 @@
           <a:p>
             <a:fld id="{C6F45755-919B-47ED-8D88-DB115CB9423E}" type="slidenum">
               <a:rPr lang="ko-KR" altLang="en-US" smtClean="0"/>
-              <a:t>18</a:t>
+              <a:t>17</a:t>
             </a:fld>
             <a:endParaRPr lang="ko-KR" altLang="en-US"/>
           </a:p>
@@ -738,7 +741,7 @@
     </p:spTree>
     <p:extLst>
       <p:ext uri="{BB962C8B-B14F-4D97-AF65-F5344CB8AC3E}">
-        <p14:creationId xmlns:p14="http://schemas.microsoft.com/office/powerpoint/2010/main" val="177093104"/>
+        <p14:creationId xmlns:p14="http://schemas.microsoft.com/office/powerpoint/2010/main" val="2723427009"/>
       </p:ext>
     </p:extLst>
   </p:cSld>
@@ -844,7 +847,352 @@
           <a:p>
             <a:fld id="{C6F45755-919B-47ED-8D88-DB115CB9423E}" type="slidenum">
               <a:rPr lang="ko-KR" altLang="en-US" smtClean="0"/>
+              <a:t>19</a:t>
+            </a:fld>
+            <a:endParaRPr lang="ko-KR" altLang="en-US"/>
+          </a:p>
+        </p:txBody>
+      </p:sp>
+    </p:spTree>
+    <p:extLst>
+      <p:ext uri="{BB962C8B-B14F-4D97-AF65-F5344CB8AC3E}">
+        <p14:creationId xmlns:p14="http://schemas.microsoft.com/office/powerpoint/2010/main" val="343081037"/>
+      </p:ext>
+    </p:extLst>
+  </p:cSld>
+  <p:clrMapOvr>
+    <a:masterClrMapping/>
+  </p:clrMapOvr>
+</p:notes>
+</file>
+
+<file path=ppt/notesSlides/notesSlide12.xml><?xml version="1.0" encoding="utf-8"?>
+<p:notes xmlns:a="http://schemas.openxmlformats.org/drawingml/2006/main" xmlns:r="http://schemas.openxmlformats.org/officeDocument/2006/relationships" xmlns:p="http://schemas.openxmlformats.org/presentationml/2006/main">
+  <p:cSld>
+    <p:spTree>
+      <p:nvGrpSpPr>
+        <p:cNvPr id="1" name=""/>
+        <p:cNvGrpSpPr/>
+        <p:nvPr/>
+      </p:nvGrpSpPr>
+      <p:grpSpPr>
+        <a:xfrm>
+          <a:off x="0" y="0"/>
+          <a:ext cx="0" cy="0"/>
+          <a:chOff x="0" y="0"/>
+          <a:chExt cx="0" cy="0"/>
+        </a:xfrm>
+      </p:grpSpPr>
+      <p:sp>
+        <p:nvSpPr>
+          <p:cNvPr id="2" name="슬라이드 이미지 개체 틀 1"/>
+          <p:cNvSpPr>
+            <a:spLocks noGrp="1" noRot="1" noChangeAspect="1"/>
+          </p:cNvSpPr>
+          <p:nvPr>
+            <p:ph type="sldImg"/>
+          </p:nvPr>
+        </p:nvSpPr>
+        <p:spPr/>
+      </p:sp>
+      <p:sp>
+        <p:nvSpPr>
+          <p:cNvPr id="3" name="슬라이드 노트 개체 틀 2"/>
+          <p:cNvSpPr>
+            <a:spLocks noGrp="1"/>
+          </p:cNvSpPr>
+          <p:nvPr>
+            <p:ph type="body" idx="1"/>
+          </p:nvPr>
+        </p:nvSpPr>
+        <p:spPr/>
+        <p:txBody>
+          <a:bodyPr/>
+          <a:lstStyle/>
+          <a:p>
+            <a:pPr marL="0" marR="0" lvl="0" indent="0" algn="l" defTabSz="914400" rtl="0" eaLnBrk="1" fontAlgn="auto" latinLnBrk="1" hangingPunct="1">
+              <a:lnSpc>
+                <a:spcPct val="100000"/>
+              </a:lnSpc>
+              <a:spcBef>
+                <a:spcPts val="0"/>
+              </a:spcBef>
+              <a:spcAft>
+                <a:spcPts val="0"/>
+              </a:spcAft>
+              <a:buClrTx/>
+              <a:buSzTx/>
+              <a:buFontTx/>
+              <a:buNone/>
+              <a:tabLst/>
+              <a:defRPr/>
+            </a:pPr>
+            <a:r>
+              <a:rPr lang="en-US" altLang="ko-KR" sz="1200" dirty="0"/>
+              <a:t>Thus, Q-learning algorithms can be applied to arbitrarily complex problems (with a very large state space) but their </a:t>
+            </a:r>
+            <a:r>
+              <a:rPr lang="en-US" altLang="ko-KR" sz="1200" b="1" u="sng" dirty="0"/>
+              <a:t>action space has to be limited</a:t>
+            </a:r>
+            <a:r>
+              <a:rPr lang="en-US" altLang="ko-KR" sz="1200" dirty="0"/>
+              <a:t>. </a:t>
+            </a:r>
+          </a:p>
+          <a:p>
+            <a:endParaRPr lang="ko-KR" altLang="en-US" dirty="0"/>
+          </a:p>
+        </p:txBody>
+      </p:sp>
+      <p:sp>
+        <p:nvSpPr>
+          <p:cNvPr id="4" name="슬라이드 번호 개체 틀 3"/>
+          <p:cNvSpPr>
+            <a:spLocks noGrp="1"/>
+          </p:cNvSpPr>
+          <p:nvPr>
+            <p:ph type="sldNum" sz="quarter" idx="5"/>
+          </p:nvPr>
+        </p:nvSpPr>
+        <p:spPr/>
+        <p:txBody>
+          <a:bodyPr/>
+          <a:lstStyle/>
+          <a:p>
+            <a:fld id="{C6F45755-919B-47ED-8D88-DB115CB9423E}" type="slidenum">
+              <a:rPr lang="ko-KR" altLang="en-US" smtClean="0"/>
               <a:t>20</a:t>
+            </a:fld>
+            <a:endParaRPr lang="ko-KR" altLang="en-US"/>
+          </a:p>
+        </p:txBody>
+      </p:sp>
+    </p:spTree>
+    <p:extLst>
+      <p:ext uri="{BB962C8B-B14F-4D97-AF65-F5344CB8AC3E}">
+        <p14:creationId xmlns:p14="http://schemas.microsoft.com/office/powerpoint/2010/main" val="1978164664"/>
+      </p:ext>
+    </p:extLst>
+  </p:cSld>
+  <p:clrMapOvr>
+    <a:masterClrMapping/>
+  </p:clrMapOvr>
+</p:notes>
+</file>
+
+<file path=ppt/notesSlides/notesSlide13.xml><?xml version="1.0" encoding="utf-8"?>
+<p:notes xmlns:a="http://schemas.openxmlformats.org/drawingml/2006/main" xmlns:r="http://schemas.openxmlformats.org/officeDocument/2006/relationships" xmlns:p="http://schemas.openxmlformats.org/presentationml/2006/main">
+  <p:cSld>
+    <p:spTree>
+      <p:nvGrpSpPr>
+        <p:cNvPr id="1" name=""/>
+        <p:cNvGrpSpPr/>
+        <p:nvPr/>
+      </p:nvGrpSpPr>
+      <p:grpSpPr>
+        <a:xfrm>
+          <a:off x="0" y="0"/>
+          <a:ext cx="0" cy="0"/>
+          <a:chOff x="0" y="0"/>
+          <a:chExt cx="0" cy="0"/>
+        </a:xfrm>
+      </p:grpSpPr>
+      <p:sp>
+        <p:nvSpPr>
+          <p:cNvPr id="2" name="슬라이드 이미지 개체 틀 1"/>
+          <p:cNvSpPr>
+            <a:spLocks noGrp="1" noRot="1" noChangeAspect="1"/>
+          </p:cNvSpPr>
+          <p:nvPr>
+            <p:ph type="sldImg"/>
+          </p:nvPr>
+        </p:nvSpPr>
+        <p:spPr/>
+      </p:sp>
+      <p:sp>
+        <p:nvSpPr>
+          <p:cNvPr id="3" name="슬라이드 노트 개체 틀 2"/>
+          <p:cNvSpPr>
+            <a:spLocks noGrp="1"/>
+          </p:cNvSpPr>
+          <p:nvPr>
+            <p:ph type="body" idx="1"/>
+          </p:nvPr>
+        </p:nvSpPr>
+        <p:spPr/>
+        <p:txBody>
+          <a:bodyPr/>
+          <a:lstStyle/>
+          <a:p>
+            <a:pPr marL="0" marR="0" lvl="0" indent="0" algn="l" defTabSz="914400" rtl="0" eaLnBrk="1" fontAlgn="auto" latinLnBrk="1" hangingPunct="1">
+              <a:lnSpc>
+                <a:spcPct val="100000"/>
+              </a:lnSpc>
+              <a:spcBef>
+                <a:spcPts val="0"/>
+              </a:spcBef>
+              <a:spcAft>
+                <a:spcPts val="0"/>
+              </a:spcAft>
+              <a:buClrTx/>
+              <a:buSzTx/>
+              <a:buFontTx/>
+              <a:buNone/>
+              <a:tabLst/>
+              <a:defRPr/>
+            </a:pPr>
+            <a:r>
+              <a:rPr lang="en-US" altLang="ko-KR" sz="1200" dirty="0"/>
+              <a:t>Thus, Q-learning algorithms can be applied to arbitrarily complex problems (with a very large state space) but their </a:t>
+            </a:r>
+            <a:r>
+              <a:rPr lang="en-US" altLang="ko-KR" sz="1200" b="1" u="sng" dirty="0"/>
+              <a:t>action space has to be limited</a:t>
+            </a:r>
+            <a:r>
+              <a:rPr lang="en-US" altLang="ko-KR" sz="1200" dirty="0"/>
+              <a:t>. </a:t>
+            </a:r>
+          </a:p>
+          <a:p>
+            <a:endParaRPr lang="ko-KR" altLang="en-US" dirty="0"/>
+          </a:p>
+        </p:txBody>
+      </p:sp>
+      <p:sp>
+        <p:nvSpPr>
+          <p:cNvPr id="4" name="슬라이드 번호 개체 틀 3"/>
+          <p:cNvSpPr>
+            <a:spLocks noGrp="1"/>
+          </p:cNvSpPr>
+          <p:nvPr>
+            <p:ph type="sldNum" sz="quarter" idx="5"/>
+          </p:nvPr>
+        </p:nvSpPr>
+        <p:spPr/>
+        <p:txBody>
+          <a:bodyPr/>
+          <a:lstStyle/>
+          <a:p>
+            <a:fld id="{C6F45755-919B-47ED-8D88-DB115CB9423E}" type="slidenum">
+              <a:rPr lang="ko-KR" altLang="en-US" smtClean="0"/>
+              <a:t>21</a:t>
+            </a:fld>
+            <a:endParaRPr lang="ko-KR" altLang="en-US"/>
+          </a:p>
+        </p:txBody>
+      </p:sp>
+    </p:spTree>
+    <p:extLst>
+      <p:ext uri="{BB962C8B-B14F-4D97-AF65-F5344CB8AC3E}">
+        <p14:creationId xmlns:p14="http://schemas.microsoft.com/office/powerpoint/2010/main" val="177093104"/>
+      </p:ext>
+    </p:extLst>
+  </p:cSld>
+  <p:clrMapOvr>
+    <a:masterClrMapping/>
+  </p:clrMapOvr>
+</p:notes>
+</file>
+
+<file path=ppt/notesSlides/notesSlide14.xml><?xml version="1.0" encoding="utf-8"?>
+<p:notes xmlns:a="http://schemas.openxmlformats.org/drawingml/2006/main" xmlns:r="http://schemas.openxmlformats.org/officeDocument/2006/relationships" xmlns:p="http://schemas.openxmlformats.org/presentationml/2006/main">
+  <p:cSld>
+    <p:spTree>
+      <p:nvGrpSpPr>
+        <p:cNvPr id="1" name=""/>
+        <p:cNvGrpSpPr/>
+        <p:nvPr/>
+      </p:nvGrpSpPr>
+      <p:grpSpPr>
+        <a:xfrm>
+          <a:off x="0" y="0"/>
+          <a:ext cx="0" cy="0"/>
+          <a:chOff x="0" y="0"/>
+          <a:chExt cx="0" cy="0"/>
+        </a:xfrm>
+      </p:grpSpPr>
+      <p:sp>
+        <p:nvSpPr>
+          <p:cNvPr id="2" name="슬라이드 이미지 개체 틀 1"/>
+          <p:cNvSpPr>
+            <a:spLocks noGrp="1" noRot="1" noChangeAspect="1"/>
+          </p:cNvSpPr>
+          <p:nvPr>
+            <p:ph type="sldImg"/>
+          </p:nvPr>
+        </p:nvSpPr>
+        <p:spPr/>
+      </p:sp>
+      <p:sp>
+        <p:nvSpPr>
+          <p:cNvPr id="3" name="슬라이드 노트 개체 틀 2"/>
+          <p:cNvSpPr>
+            <a:spLocks noGrp="1"/>
+          </p:cNvSpPr>
+          <p:nvPr>
+            <p:ph type="body" idx="1"/>
+          </p:nvPr>
+        </p:nvSpPr>
+        <p:spPr/>
+        <p:txBody>
+          <a:bodyPr/>
+          <a:lstStyle/>
+          <a:p>
+            <a:pPr marL="0" marR="0" lvl="0" indent="0" algn="l" defTabSz="914400" rtl="0" eaLnBrk="1" fontAlgn="auto" latinLnBrk="1" hangingPunct="1">
+              <a:lnSpc>
+                <a:spcPct val="100000"/>
+              </a:lnSpc>
+              <a:spcBef>
+                <a:spcPts val="0"/>
+              </a:spcBef>
+              <a:spcAft>
+                <a:spcPts val="0"/>
+              </a:spcAft>
+              <a:buClrTx/>
+              <a:buSzTx/>
+              <a:buFontTx/>
+              <a:buNone/>
+              <a:tabLst/>
+              <a:defRPr/>
+            </a:pPr>
+            <a:r>
+              <a:rPr lang="en-US" altLang="ko-KR" sz="1200" dirty="0"/>
+              <a:t>Thus, Q-learning algorithms can be applied to arbitrarily complex problems (with a very large state space) but their </a:t>
+            </a:r>
+            <a:r>
+              <a:rPr lang="en-US" altLang="ko-KR" sz="1200" b="1" u="sng" dirty="0"/>
+              <a:t>action space has to be limited</a:t>
+            </a:r>
+            <a:r>
+              <a:rPr lang="en-US" altLang="ko-KR" sz="1200" dirty="0"/>
+              <a:t>. </a:t>
+            </a:r>
+          </a:p>
+          <a:p>
+            <a:endParaRPr lang="ko-KR" altLang="en-US" dirty="0"/>
+          </a:p>
+        </p:txBody>
+      </p:sp>
+      <p:sp>
+        <p:nvSpPr>
+          <p:cNvPr id="4" name="슬라이드 번호 개체 틀 3"/>
+          <p:cNvSpPr>
+            <a:spLocks noGrp="1"/>
+          </p:cNvSpPr>
+          <p:nvPr>
+            <p:ph type="sldNum" sz="quarter" idx="5"/>
+          </p:nvPr>
+        </p:nvSpPr>
+        <p:spPr/>
+        <p:txBody>
+          <a:bodyPr/>
+          <a:lstStyle/>
+          <a:p>
+            <a:fld id="{C6F45755-919B-47ED-8D88-DB115CB9423E}" type="slidenum">
+              <a:rPr lang="ko-KR" altLang="en-US" smtClean="0"/>
+              <a:t>23</a:t>
             </a:fld>
             <a:endParaRPr lang="ko-KR" altLang="en-US"/>
           </a:p>
@@ -1428,7 +1776,7 @@
     </p:spTree>
     <p:extLst>
       <p:ext uri="{BB962C8B-B14F-4D97-AF65-F5344CB8AC3E}">
-        <p14:creationId xmlns:p14="http://schemas.microsoft.com/office/powerpoint/2010/main" val="2167484752"/>
+        <p14:creationId xmlns:p14="http://schemas.microsoft.com/office/powerpoint/2010/main" val="3779733274"/>
       </p:ext>
     </p:extLst>
   </p:cSld>
@@ -1534,7 +1882,7 @@
           <a:p>
             <a:fld id="{C6F45755-919B-47ED-8D88-DB115CB9423E}" type="slidenum">
               <a:rPr lang="ko-KR" altLang="en-US" smtClean="0"/>
-              <a:t>14</a:t>
+              <a:t>13</a:t>
             </a:fld>
             <a:endParaRPr lang="ko-KR" altLang="en-US"/>
           </a:p>
@@ -1543,7 +1891,7 @@
     </p:spTree>
     <p:extLst>
       <p:ext uri="{BB962C8B-B14F-4D97-AF65-F5344CB8AC3E}">
-        <p14:creationId xmlns:p14="http://schemas.microsoft.com/office/powerpoint/2010/main" val="2723427009"/>
+        <p14:creationId xmlns:p14="http://schemas.microsoft.com/office/powerpoint/2010/main" val="2167484752"/>
       </p:ext>
     </p:extLst>
   </p:cSld>
@@ -1649,7 +1997,7 @@
           <a:p>
             <a:fld id="{C6F45755-919B-47ED-8D88-DB115CB9423E}" type="slidenum">
               <a:rPr lang="ko-KR" altLang="en-US" smtClean="0"/>
-              <a:t>16</a:t>
+              <a:t>14</a:t>
             </a:fld>
             <a:endParaRPr lang="ko-KR" altLang="en-US"/>
           </a:p>
@@ -1658,7 +2006,7 @@
     </p:spTree>
     <p:extLst>
       <p:ext uri="{BB962C8B-B14F-4D97-AF65-F5344CB8AC3E}">
-        <p14:creationId xmlns:p14="http://schemas.microsoft.com/office/powerpoint/2010/main" val="343081037"/>
+        <p14:creationId xmlns:p14="http://schemas.microsoft.com/office/powerpoint/2010/main" val="1225513196"/>
       </p:ext>
     </p:extLst>
   </p:cSld>
@@ -1764,7 +2112,7 @@
           <a:p>
             <a:fld id="{C6F45755-919B-47ED-8D88-DB115CB9423E}" type="slidenum">
               <a:rPr lang="ko-KR" altLang="en-US" smtClean="0"/>
-              <a:t>17</a:t>
+              <a:t>15</a:t>
             </a:fld>
             <a:endParaRPr lang="ko-KR" altLang="en-US"/>
           </a:p>
@@ -1773,7 +2121,7 @@
     </p:spTree>
     <p:extLst>
       <p:ext uri="{BB962C8B-B14F-4D97-AF65-F5344CB8AC3E}">
-        <p14:creationId xmlns:p14="http://schemas.microsoft.com/office/powerpoint/2010/main" val="1978164664"/>
+        <p14:creationId xmlns:p14="http://schemas.microsoft.com/office/powerpoint/2010/main" val="785813552"/>
       </p:ext>
     </p:extLst>
   </p:cSld>
@@ -6457,24 +6805,72 @@
               <a:rPr lang="ko-KR" altLang="en-US" sz="2400" b="1" dirty="0"/>
               <a:t>함수</a:t>
             </a:r>
+            <a:r>
+              <a:rPr lang="en-US" altLang="ko-KR" sz="2400" b="1" dirty="0"/>
+              <a:t>(</a:t>
+            </a:r>
+            <a:r>
+              <a:rPr lang="ko-KR" altLang="en-US" sz="2400" b="1" dirty="0"/>
+              <a:t>전체 탐색</a:t>
+            </a:r>
+            <a:r>
+              <a:rPr lang="en-US" altLang="ko-KR" sz="2400" b="1" dirty="0"/>
+              <a:t>)</a:t>
+            </a:r>
+          </a:p>
+          <a:p>
             <a:endParaRPr lang="en-US" altLang="ko-KR" sz="2400" b="1" dirty="0"/>
           </a:p>
           <a:p>
-            <a:endParaRPr lang="en-US" altLang="ko-KR" sz="2400" b="1" dirty="0"/>
-          </a:p>
-          <a:p>
+            <a:pPr marL="0" indent="0">
+              <a:buNone/>
+            </a:pPr>
             <a:endParaRPr lang="en-US" altLang="ko-KR" sz="2000" b="1" dirty="0"/>
           </a:p>
           <a:p>
-            <a:endParaRPr lang="en-US" altLang="ko-KR" sz="2000" b="1" dirty="0"/>
-          </a:p>
-          <a:p>
-            <a:endParaRPr lang="en-US" altLang="ko-KR" sz="2000" b="1" dirty="0"/>
-          </a:p>
-          <a:p>
-            <a:endParaRPr lang="en-US" altLang="ko-KR" sz="2000" b="1" dirty="0"/>
-          </a:p>
-          <a:p>
+            <a:pPr marL="0" indent="0">
+              <a:buNone/>
+            </a:pPr>
+            <a:r>
+              <a:rPr lang="en-US" altLang="ko-KR" sz="2000" b="1" dirty="0"/>
+              <a:t>     </a:t>
+            </a:r>
+          </a:p>
+          <a:p>
+            <a:r>
+              <a:rPr lang="en-US" altLang="ko-KR" sz="2000" b="1" dirty="0"/>
+              <a:t>                                                </a:t>
+            </a:r>
+            <a:r>
+              <a:rPr lang="en-US" altLang="ko-KR" sz="2000" dirty="0"/>
+              <a:t>- joint</a:t>
+            </a:r>
+            <a:r>
+              <a:rPr lang="ko-KR" altLang="en-US" sz="2000" dirty="0"/>
+              <a:t> </a:t>
+            </a:r>
+            <a:r>
+              <a:rPr lang="en-US" altLang="ko-KR" sz="2000" dirty="0"/>
+              <a:t>action</a:t>
+            </a:r>
+            <a:r>
+              <a:rPr lang="ko-KR" altLang="en-US" sz="2000" dirty="0"/>
+              <a:t>에 대한 다른 </a:t>
+            </a:r>
+            <a:r>
+              <a:rPr lang="en-US" altLang="ko-KR" sz="2000" dirty="0"/>
+              <a:t>agent</a:t>
+            </a:r>
+            <a:r>
+              <a:rPr lang="ko-KR" altLang="en-US" sz="2000" dirty="0"/>
+              <a:t>들의 확률 곱</a:t>
+            </a:r>
+            <a:endParaRPr lang="en-US" altLang="ko-KR" sz="2000" dirty="0"/>
+          </a:p>
+          <a:p>
+            <a:pPr marL="0" indent="0">
+              <a:buNone/>
+            </a:pPr>
             <a:endParaRPr lang="en-US" altLang="ko-KR" sz="2000" b="1" dirty="0"/>
           </a:p>
           <a:p>
@@ -6501,7 +6897,38 @@
             <a:endParaRPr lang="en-US" altLang="ko-KR" dirty="0"/>
           </a:p>
           <a:p>
-            <a:endParaRPr lang="en-US" altLang="ko-KR" dirty="0"/>
+            <a:pPr marL="0" indent="0">
+              <a:buNone/>
+            </a:pPr>
+            <a:r>
+              <a:rPr lang="en-US" altLang="ko-KR" sz="2400" dirty="0"/>
+              <a:t>B = </a:t>
+            </a:r>
+            <a:r>
+              <a:rPr lang="ko-KR" altLang="en-US" sz="2400" dirty="0"/>
+              <a:t>샘플 량</a:t>
+            </a:r>
+            <a:r>
+              <a:rPr lang="en-US" altLang="ko-KR" sz="2400" dirty="0"/>
+              <a:t>, </a:t>
+            </a:r>
+            <a:r>
+              <a:rPr lang="en-US" altLang="ko-KR" sz="2400" dirty="0" err="1"/>
+              <a:t>ti</a:t>
+            </a:r>
+            <a:r>
+              <a:rPr lang="en-US" altLang="ko-KR" sz="2400" dirty="0"/>
+              <a:t> = </a:t>
+            </a:r>
+            <a:r>
+              <a:rPr lang="en-US" altLang="ko-KR" sz="2400" dirty="0" err="1"/>
+              <a:t>i</a:t>
+            </a:r>
+            <a:r>
+              <a:rPr lang="ko-KR" altLang="en-US" sz="2400" dirty="0"/>
+              <a:t>번째 시간에 따른 샘플</a:t>
+            </a:r>
+            <a:endParaRPr lang="en-US" altLang="ko-KR" sz="2400" dirty="0"/>
           </a:p>
           <a:p>
             <a:endParaRPr lang="ko-KR" altLang="en-US" dirty="0"/>
@@ -6530,7 +6957,7 @@
         </p:blipFill>
         <p:spPr>
           <a:xfrm>
-            <a:off x="452983" y="2348880"/>
+            <a:off x="451148" y="2077924"/>
             <a:ext cx="8229600" cy="732081"/>
           </a:xfrm>
           <a:prstGeom prst="rect">
@@ -6560,7 +6987,7 @@
         </p:blipFill>
         <p:spPr>
           <a:xfrm>
-            <a:off x="461392" y="3298572"/>
+            <a:off x="477019" y="3271837"/>
             <a:ext cx="3048000" cy="314325"/>
           </a:xfrm>
           <a:prstGeom prst="rect">
@@ -6590,7 +7017,7 @@
         </p:blipFill>
         <p:spPr>
           <a:xfrm>
-            <a:off x="477019" y="5085184"/>
+            <a:off x="477019" y="4449390"/>
             <a:ext cx="4905375" cy="1123950"/>
           </a:xfrm>
           <a:prstGeom prst="rect">
@@ -6651,7 +7078,7 @@
           <a:p>
             <a:r>
               <a:rPr lang="en-US" altLang="ko-KR" sz="3600" b="1" dirty="0"/>
-              <a:t>SMAC- Multi-Agent Fingerprints</a:t>
+              <a:t>SMAC- Multi-Agent Importance Sampling</a:t>
             </a:r>
             <a:endParaRPr lang="ko-KR" altLang="en-US" sz="3600" b="1" dirty="0"/>
           </a:p>
@@ -6680,7 +7107,96 @@
           <a:p>
             <a:r>
               <a:rPr lang="ko-KR" altLang="en-US" sz="2400" b="1" dirty="0"/>
-              <a:t>각</a:t>
+              <a:t>각 </a:t>
+            </a:r>
+            <a:r>
+              <a:rPr lang="en-US" altLang="ko-KR" sz="2400" b="1" dirty="0"/>
+              <a:t>agent</a:t>
+            </a:r>
+            <a:r>
+              <a:rPr lang="ko-KR" altLang="en-US" sz="2400" b="1" dirty="0"/>
+              <a:t>들의 </a:t>
+            </a:r>
+            <a:r>
+              <a:rPr lang="en-US" altLang="ko-KR" sz="2400" b="1" dirty="0"/>
+              <a:t>optimality</a:t>
+            </a:r>
+            <a:r>
+              <a:rPr lang="ko-KR" altLang="en-US" sz="2400" b="1" dirty="0"/>
+              <a:t>한 </a:t>
+            </a:r>
+            <a:r>
+              <a:rPr lang="en-US" altLang="ko-KR" sz="2400" b="1" dirty="0"/>
+              <a:t>Q </a:t>
+            </a:r>
+            <a:r>
+              <a:rPr lang="ko-KR" altLang="en-US" sz="2400" b="1" dirty="0"/>
+              <a:t>함수</a:t>
+            </a:r>
+            <a:r>
+              <a:rPr lang="en-US" altLang="ko-KR" sz="2400" b="1" dirty="0"/>
+              <a:t>(</a:t>
+            </a:r>
+            <a:r>
+              <a:rPr lang="ko-KR" altLang="en-US" sz="2400" b="1" dirty="0"/>
+              <a:t>부분 탐색</a:t>
+            </a:r>
+            <a:r>
+              <a:rPr lang="en-US" altLang="ko-KR" sz="2400" b="1" dirty="0"/>
+              <a:t>)</a:t>
+            </a:r>
+          </a:p>
+          <a:p>
+            <a:pPr marL="0" indent="0">
+              <a:buNone/>
+            </a:pPr>
+            <a:endParaRPr lang="en-US" altLang="ko-KR" sz="1600" dirty="0">
+              <a:latin typeface="+mj-ea"/>
+            </a:endParaRPr>
+          </a:p>
+          <a:p>
+            <a:pPr marL="0" indent="0">
+              <a:buNone/>
+            </a:pPr>
+            <a:r>
+              <a:rPr lang="en-US" altLang="ko-KR" sz="1600" dirty="0">
+                <a:latin typeface="+mj-ea"/>
+              </a:rPr>
+              <a:t>State space :                                              , </a:t>
+            </a:r>
+            <a:r>
+              <a:rPr lang="en-US" altLang="ko-KR" sz="1600" dirty="0"/>
+              <a:t>observation function :</a:t>
+            </a:r>
+          </a:p>
+          <a:p>
+            <a:pPr marL="0" indent="0">
+              <a:buNone/>
+            </a:pPr>
+            <a:endParaRPr lang="en-US" altLang="ko-KR" sz="1600" dirty="0"/>
+          </a:p>
+          <a:p>
+            <a:pPr marL="0" indent="0">
+              <a:buNone/>
+            </a:pPr>
+            <a:r>
+              <a:rPr lang="en-US" altLang="ko-KR" sz="1600" dirty="0"/>
+              <a:t>reward function :</a:t>
+            </a:r>
+          </a:p>
+          <a:p>
+            <a:pPr marL="0" indent="0">
+              <a:buNone/>
+            </a:pPr>
+            <a:endParaRPr lang="en-US" altLang="ko-KR" sz="1600" dirty="0"/>
+          </a:p>
+          <a:p>
+            <a:pPr marL="0" indent="0">
+              <a:buNone/>
+            </a:pPr>
+            <a:r>
+              <a:rPr lang="en-US" altLang="ko-KR" sz="1600" dirty="0"/>
+              <a:t>transition function : </a:t>
             </a:r>
             <a:endParaRPr lang="en-US" altLang="ko-KR" sz="2400" b="1" dirty="0"/>
           </a:p>
@@ -6688,52 +7204,288 @@
             <a:endParaRPr lang="en-US" altLang="ko-KR" dirty="0"/>
           </a:p>
           <a:p>
-            <a:endParaRPr lang="en-US" altLang="ko-KR" dirty="0"/>
+            <a:pPr marL="0" indent="0">
+              <a:buNone/>
+            </a:pPr>
+            <a:r>
+              <a:rPr lang="en-US" altLang="ko-KR" sz="1800" dirty="0"/>
+              <a:t>                                                          </a:t>
+            </a:r>
+            <a:r>
+              <a:rPr lang="ko-KR" altLang="en-US" sz="1800" dirty="0"/>
+              <a:t>의 대한 </a:t>
+            </a:r>
+            <a:r>
+              <a:rPr lang="ko-KR" altLang="en-US" sz="1800" dirty="0" err="1"/>
+              <a:t>벨만</a:t>
+            </a:r>
+            <a:r>
+              <a:rPr lang="ko-KR" altLang="en-US" sz="1800" dirty="0"/>
+              <a:t> 방정식</a:t>
+            </a:r>
+            <a:endParaRPr lang="en-US" altLang="ko-KR" sz="1800" dirty="0"/>
+          </a:p>
+          <a:p>
+            <a:pPr marL="0" indent="0">
+              <a:buNone/>
+            </a:pPr>
+            <a:r>
+              <a:rPr lang="en-US" altLang="ko-KR" sz="2000" dirty="0"/>
+              <a:t>                                                        </a:t>
+            </a:r>
+          </a:p>
+          <a:p>
+            <a:pPr marL="0" indent="0">
+              <a:buNone/>
+            </a:pPr>
+            <a:endParaRPr lang="en-US" altLang="ko-KR" sz="2000" dirty="0"/>
+          </a:p>
+          <a:p>
+            <a:pPr marL="0" indent="0">
+              <a:buNone/>
+            </a:pPr>
+            <a:endParaRPr lang="en-US" altLang="ko-KR" sz="2000" dirty="0"/>
+          </a:p>
+          <a:p>
+            <a:pPr marL="0" indent="0">
+              <a:buNone/>
+            </a:pPr>
+            <a:r>
+              <a:rPr lang="ko-KR" altLang="en-US" sz="2000" dirty="0"/>
+              <a:t>최종 </a:t>
+            </a:r>
+            <a:r>
+              <a:rPr lang="ko-KR" altLang="en-US" sz="2000" dirty="0" err="1"/>
+              <a:t>벨만</a:t>
+            </a:r>
+            <a:r>
+              <a:rPr lang="ko-KR" altLang="en-US" sz="2000" dirty="0"/>
+              <a:t> 방정식 </a:t>
+            </a:r>
+            <a:r>
+              <a:rPr lang="en-US" altLang="ko-KR" sz="2000" dirty="0"/>
+              <a:t>:</a:t>
+            </a:r>
           </a:p>
           <a:p>
             <a:endParaRPr lang="ko-KR" altLang="en-US" dirty="0"/>
           </a:p>
         </p:txBody>
       </p:sp>
-      <p:sp>
-        <p:nvSpPr>
-          <p:cNvPr id="4" name="직사각형 3">
+      <p:pic>
+        <p:nvPicPr>
+          <p:cNvPr id="9" name="그림 8">
             <a:extLst>
               <a:ext uri="{FF2B5EF4-FFF2-40B4-BE49-F238E27FC236}">
-                <a16:creationId xmlns:a16="http://schemas.microsoft.com/office/drawing/2014/main" id="{796BF9DC-B295-4913-94C4-0E9A0B2C9A17}"/>
+                <a16:creationId xmlns:a16="http://schemas.microsoft.com/office/drawing/2014/main" id="{326329BC-0EB9-470C-8894-4045B1525CDC}"/>
               </a:ext>
             </a:extLst>
           </p:cNvPr>
-          <p:cNvSpPr/>
+          <p:cNvPicPr>
+            <a:picLocks noChangeAspect="1"/>
+          </p:cNvPicPr>
           <p:nvPr/>
-        </p:nvSpPr>
+        </p:nvPicPr>
+        <p:blipFill>
+          <a:blip r:embed="rId3"/>
+          <a:stretch>
+            <a:fillRect/>
+          </a:stretch>
+        </p:blipFill>
         <p:spPr>
           <a:xfrm>
-            <a:off x="3328742" y="3244334"/>
-            <a:ext cx="2486515" cy="369332"/>
+            <a:off x="0" y="6181344"/>
+            <a:ext cx="9144000" cy="554820"/>
           </a:xfrm>
           <a:prstGeom prst="rect">
             <a:avLst/>
           </a:prstGeom>
         </p:spPr>
-        <p:txBody>
-          <a:bodyPr wrap="none">
-            <a:spAutoFit/>
-          </a:bodyPr>
-          <a:lstStyle/>
-          <a:p>
-            <a:r>
-              <a:rPr lang="en-US" altLang="ko-KR" dirty="0"/>
-              <a:t>Multi-Agent Fingerprints</a:t>
-            </a:r>
-            <a:endParaRPr lang="ko-KR" altLang="en-US" dirty="0"/>
-          </a:p>
-        </p:txBody>
-      </p:sp>
+      </p:pic>
+      <p:pic>
+        <p:nvPicPr>
+          <p:cNvPr id="12" name="그림 11">
+            <a:extLst>
+              <a:ext uri="{FF2B5EF4-FFF2-40B4-BE49-F238E27FC236}">
+                <a16:creationId xmlns:a16="http://schemas.microsoft.com/office/drawing/2014/main" id="{0F646B69-5321-4284-8C51-4DF59DB7983E}"/>
+              </a:ext>
+            </a:extLst>
+          </p:cNvPr>
+          <p:cNvPicPr>
+            <a:picLocks noChangeAspect="1"/>
+          </p:cNvPicPr>
+          <p:nvPr/>
+        </p:nvPicPr>
+        <p:blipFill>
+          <a:blip r:embed="rId4"/>
+          <a:stretch>
+            <a:fillRect/>
+          </a:stretch>
+        </p:blipFill>
+        <p:spPr>
+          <a:xfrm>
+            <a:off x="1907704" y="2348880"/>
+            <a:ext cx="3038475" cy="323850"/>
+          </a:xfrm>
+          <a:prstGeom prst="rect">
+            <a:avLst/>
+          </a:prstGeom>
+        </p:spPr>
+      </p:pic>
+      <p:pic>
+        <p:nvPicPr>
+          <p:cNvPr id="13" name="그림 12">
+            <a:extLst>
+              <a:ext uri="{FF2B5EF4-FFF2-40B4-BE49-F238E27FC236}">
+                <a16:creationId xmlns:a16="http://schemas.microsoft.com/office/drawing/2014/main" id="{F29151EA-A2BC-4F0C-9272-783E09CBAC21}"/>
+              </a:ext>
+            </a:extLst>
+          </p:cNvPr>
+          <p:cNvPicPr>
+            <a:picLocks noChangeAspect="1"/>
+          </p:cNvPicPr>
+          <p:nvPr/>
+        </p:nvPicPr>
+        <p:blipFill>
+          <a:blip r:embed="rId5"/>
+          <a:stretch>
+            <a:fillRect/>
+          </a:stretch>
+        </p:blipFill>
+        <p:spPr>
+          <a:xfrm>
+            <a:off x="6948264" y="2335932"/>
+            <a:ext cx="1563389" cy="333849"/>
+          </a:xfrm>
+          <a:prstGeom prst="rect">
+            <a:avLst/>
+          </a:prstGeom>
+        </p:spPr>
+      </p:pic>
+      <p:pic>
+        <p:nvPicPr>
+          <p:cNvPr id="14" name="그림 13">
+            <a:extLst>
+              <a:ext uri="{FF2B5EF4-FFF2-40B4-BE49-F238E27FC236}">
+                <a16:creationId xmlns:a16="http://schemas.microsoft.com/office/drawing/2014/main" id="{F0A5FFFF-7656-463A-88FD-822D75675F6B}"/>
+              </a:ext>
+            </a:extLst>
+          </p:cNvPr>
+          <p:cNvPicPr>
+            <a:picLocks noChangeAspect="1"/>
+          </p:cNvPicPr>
+          <p:nvPr/>
+        </p:nvPicPr>
+        <p:blipFill>
+          <a:blip r:embed="rId6"/>
+          <a:stretch>
+            <a:fillRect/>
+          </a:stretch>
+        </p:blipFill>
+        <p:spPr>
+          <a:xfrm>
+            <a:off x="2051720" y="2938381"/>
+            <a:ext cx="3819525" cy="314325"/>
+          </a:xfrm>
+          <a:prstGeom prst="rect">
+            <a:avLst/>
+          </a:prstGeom>
+        </p:spPr>
+      </p:pic>
+      <p:pic>
+        <p:nvPicPr>
+          <p:cNvPr id="15" name="그림 14">
+            <a:extLst>
+              <a:ext uri="{FF2B5EF4-FFF2-40B4-BE49-F238E27FC236}">
+                <a16:creationId xmlns:a16="http://schemas.microsoft.com/office/drawing/2014/main" id="{9B9EDAA5-C0A9-4A03-9298-F63EA0CD3B16}"/>
+              </a:ext>
+            </a:extLst>
+          </p:cNvPr>
+          <p:cNvPicPr>
+            <a:picLocks noChangeAspect="1"/>
+          </p:cNvPicPr>
+          <p:nvPr/>
+        </p:nvPicPr>
+        <p:blipFill>
+          <a:blip r:embed="rId7"/>
+          <a:stretch>
+            <a:fillRect/>
+          </a:stretch>
+        </p:blipFill>
+        <p:spPr>
+          <a:xfrm>
+            <a:off x="2411760" y="3309461"/>
+            <a:ext cx="4924425" cy="1038225"/>
+          </a:xfrm>
+          <a:prstGeom prst="rect">
+            <a:avLst/>
+          </a:prstGeom>
+        </p:spPr>
+      </p:pic>
+      <p:pic>
+        <p:nvPicPr>
+          <p:cNvPr id="17" name="그림 16">
+            <a:extLst>
+              <a:ext uri="{FF2B5EF4-FFF2-40B4-BE49-F238E27FC236}">
+                <a16:creationId xmlns:a16="http://schemas.microsoft.com/office/drawing/2014/main" id="{A38F4266-7542-48C0-934D-1C0FCF6E13C7}"/>
+              </a:ext>
+            </a:extLst>
+          </p:cNvPr>
+          <p:cNvPicPr>
+            <a:picLocks noChangeAspect="1"/>
+          </p:cNvPicPr>
+          <p:nvPr/>
+        </p:nvPicPr>
+        <p:blipFill>
+          <a:blip r:embed="rId8"/>
+          <a:stretch>
+            <a:fillRect/>
+          </a:stretch>
+        </p:blipFill>
+        <p:spPr>
+          <a:xfrm>
+            <a:off x="179512" y="4841264"/>
+            <a:ext cx="7943850" cy="723900"/>
+          </a:xfrm>
+          <a:prstGeom prst="rect">
+            <a:avLst/>
+          </a:prstGeom>
+        </p:spPr>
+      </p:pic>
+      <p:pic>
+        <p:nvPicPr>
+          <p:cNvPr id="18" name="그림 17">
+            <a:extLst>
+              <a:ext uri="{FF2B5EF4-FFF2-40B4-BE49-F238E27FC236}">
+                <a16:creationId xmlns:a16="http://schemas.microsoft.com/office/drawing/2014/main" id="{0FA9B4D2-2AF8-49B8-B181-4D2B0495F150}"/>
+              </a:ext>
+            </a:extLst>
+          </p:cNvPr>
+          <p:cNvPicPr>
+            <a:picLocks noChangeAspect="1"/>
+          </p:cNvPicPr>
+          <p:nvPr/>
+        </p:nvPicPr>
+        <p:blipFill>
+          <a:blip r:embed="rId9"/>
+          <a:stretch>
+            <a:fillRect/>
+          </a:stretch>
+        </p:blipFill>
+        <p:spPr>
+          <a:xfrm>
+            <a:off x="881485" y="4340113"/>
+            <a:ext cx="2603351" cy="318187"/>
+          </a:xfrm>
+          <a:prstGeom prst="rect">
+            <a:avLst/>
+          </a:prstGeom>
+        </p:spPr>
+      </p:pic>
     </p:spTree>
     <p:extLst>
       <p:ext uri="{BB962C8B-B14F-4D97-AF65-F5344CB8AC3E}">
-        <p14:creationId xmlns:p14="http://schemas.microsoft.com/office/powerpoint/2010/main" val="804453548"/>
+        <p14:creationId xmlns:p14="http://schemas.microsoft.com/office/powerpoint/2010/main" val="2238602338"/>
       </p:ext>
     </p:extLst>
   </p:cSld>
@@ -6765,7 +7517,7 @@
           <p:cNvPr id="2" name="제목 1">
             <a:extLst>
               <a:ext uri="{FF2B5EF4-FFF2-40B4-BE49-F238E27FC236}">
-                <a16:creationId xmlns:a16="http://schemas.microsoft.com/office/drawing/2014/main" id="{AC703D32-08EA-4A17-AD5F-F361330ABABD}"/>
+                <a16:creationId xmlns:a16="http://schemas.microsoft.com/office/drawing/2014/main" id="{15A43040-FDE0-41CA-A523-30C7DE7EC5CC}"/>
               </a:ext>
             </a:extLst>
           </p:cNvPr>
@@ -6782,19 +7534,19 @@
           <a:lstStyle/>
           <a:p>
             <a:r>
-              <a:rPr lang="en-US" altLang="ko-KR" dirty="0"/>
-              <a:t>Experiments</a:t>
-            </a:r>
-            <a:endParaRPr lang="ko-KR" altLang="en-US" dirty="0"/>
-          </a:p>
-        </p:txBody>
-      </p:sp>
-      <p:sp>
-        <p:nvSpPr>
-          <p:cNvPr id="3" name="텍스트 개체 틀 2">
+              <a:rPr lang="en-US" altLang="ko-KR" sz="3600" b="1" dirty="0"/>
+              <a:t>Multi-Agent Fingerprints</a:t>
+            </a:r>
+            <a:endParaRPr lang="ko-KR" altLang="en-US" sz="3600" b="1" dirty="0"/>
+          </a:p>
+        </p:txBody>
+      </p:sp>
+      <p:sp>
+        <p:nvSpPr>
+          <p:cNvPr id="3" name="내용 개체 틀 2">
             <a:extLst>
               <a:ext uri="{FF2B5EF4-FFF2-40B4-BE49-F238E27FC236}">
-                <a16:creationId xmlns:a16="http://schemas.microsoft.com/office/drawing/2014/main" id="{D61BA234-B7AB-4EEE-9EF1-5794FA55B6EB}"/>
+                <a16:creationId xmlns:a16="http://schemas.microsoft.com/office/drawing/2014/main" id="{A13F8D4D-F555-4C80-BEA5-60904777A55C}"/>
               </a:ext>
             </a:extLst>
           </p:cNvPr>
@@ -6802,12 +7554,289 @@
             <a:spLocks noGrp="1"/>
           </p:cNvSpPr>
           <p:nvPr>
-            <p:ph type="body" idx="1"/>
-          </p:nvPr>
-        </p:nvSpPr>
-        <p:spPr/>
-        <p:txBody>
-          <a:bodyPr/>
+            <p:ph idx="1"/>
+          </p:nvPr>
+        </p:nvSpPr>
+        <p:spPr>
+          <a:xfrm>
+            <a:off x="451520" y="1630362"/>
+            <a:ext cx="8229600" cy="4953000"/>
+          </a:xfrm>
+        </p:spPr>
+        <p:txBody>
+          <a:bodyPr/>
+          <a:lstStyle/>
+          <a:p>
+            <a:r>
+              <a:rPr lang="en-US" altLang="ko-KR" sz="2400" b="1" dirty="0">
+                <a:latin typeface="+mj-ea"/>
+                <a:ea typeface="+mj-ea"/>
+              </a:rPr>
+              <a:t>Importance</a:t>
+            </a:r>
+            <a:r>
+              <a:rPr lang="ko-KR" altLang="en-US" sz="2400" b="1" dirty="0">
+                <a:latin typeface="+mj-ea"/>
+                <a:ea typeface="+mj-ea"/>
+              </a:rPr>
+              <a:t> </a:t>
+            </a:r>
+            <a:r>
+              <a:rPr lang="en-US" altLang="ko-KR" sz="2400" b="1" dirty="0">
+                <a:latin typeface="+mj-ea"/>
+                <a:ea typeface="+mj-ea"/>
+              </a:rPr>
+              <a:t>Sampling </a:t>
+            </a:r>
+            <a:r>
+              <a:rPr lang="ko-KR" altLang="en-US" sz="2400" b="1" dirty="0">
+                <a:latin typeface="+mj-ea"/>
+                <a:ea typeface="+mj-ea"/>
+              </a:rPr>
+              <a:t>기법 사용</a:t>
+            </a:r>
+            <a:endParaRPr lang="en-US" altLang="ko-KR" sz="2400" b="1" dirty="0">
+              <a:latin typeface="+mj-ea"/>
+              <a:ea typeface="+mj-ea"/>
+            </a:endParaRPr>
+          </a:p>
+          <a:p>
+            <a:pPr lvl="1"/>
+            <a:r>
+              <a:rPr lang="en-US" altLang="ko-KR" sz="2000" dirty="0">
+                <a:latin typeface="+mj-ea"/>
+                <a:ea typeface="+mj-ea"/>
+              </a:rPr>
+              <a:t>Large, unbounded variance </a:t>
+            </a:r>
+            <a:r>
+              <a:rPr lang="ko-KR" altLang="en-US" sz="2000" dirty="0">
+                <a:latin typeface="+mj-ea"/>
+                <a:ea typeface="+mj-ea"/>
+              </a:rPr>
+              <a:t>유발함</a:t>
+            </a:r>
+            <a:endParaRPr lang="en-US" altLang="ko-KR" sz="2000" dirty="0">
+              <a:latin typeface="+mj-ea"/>
+              <a:ea typeface="+mj-ea"/>
+            </a:endParaRPr>
+          </a:p>
+          <a:p>
+            <a:pPr lvl="2"/>
+            <a:r>
+              <a:rPr lang="en-US" altLang="ko-KR" sz="1800" dirty="0">
+                <a:latin typeface="+mj-ea"/>
+                <a:ea typeface="+mj-ea"/>
+              </a:rPr>
+              <a:t>Truncating, adjust</a:t>
+            </a:r>
+            <a:r>
+              <a:rPr lang="ko-KR" altLang="en-US" sz="1800" dirty="0">
+                <a:latin typeface="+mj-ea"/>
+                <a:ea typeface="+mj-ea"/>
+              </a:rPr>
+              <a:t>기법이 있었지만 </a:t>
+            </a:r>
+            <a:r>
+              <a:rPr lang="en-US" altLang="ko-KR" sz="1800" dirty="0">
+                <a:latin typeface="+mj-ea"/>
+                <a:ea typeface="+mj-ea"/>
+              </a:rPr>
+              <a:t>bias </a:t>
+            </a:r>
+            <a:r>
+              <a:rPr lang="ko-KR" altLang="en-US" sz="1800" dirty="0">
+                <a:latin typeface="+mj-ea"/>
+                <a:ea typeface="+mj-ea"/>
+              </a:rPr>
+              <a:t>발생시킴</a:t>
+            </a:r>
+            <a:endParaRPr lang="en-US" altLang="ko-KR" dirty="0">
+              <a:latin typeface="+mj-ea"/>
+              <a:ea typeface="+mj-ea"/>
+            </a:endParaRPr>
+          </a:p>
+          <a:p>
+            <a:endParaRPr lang="en-US" altLang="ko-KR" sz="2400" b="1" dirty="0">
+              <a:latin typeface="+mj-ea"/>
+              <a:ea typeface="+mj-ea"/>
+            </a:endParaRPr>
+          </a:p>
+          <a:p>
+            <a:endParaRPr lang="en-US" altLang="ko-KR" sz="2400" b="1" dirty="0">
+              <a:latin typeface="+mj-ea"/>
+              <a:ea typeface="+mj-ea"/>
+            </a:endParaRPr>
+          </a:p>
+          <a:p>
+            <a:r>
+              <a:rPr lang="ko-KR" altLang="en-US" sz="2400" b="1" dirty="0">
+                <a:latin typeface="+mj-ea"/>
+                <a:ea typeface="+mj-ea"/>
+              </a:rPr>
+              <a:t>위 문제를 고치는 대신 </a:t>
+            </a:r>
+            <a:r>
+              <a:rPr lang="en-US" altLang="ko-KR" sz="2400" b="1" dirty="0">
+                <a:latin typeface="+mj-ea"/>
+                <a:ea typeface="+mj-ea"/>
+              </a:rPr>
+              <a:t>non-stationary </a:t>
+            </a:r>
+            <a:r>
+              <a:rPr lang="ko-KR" altLang="en-US" sz="2400" b="1" dirty="0">
+                <a:latin typeface="+mj-ea"/>
+                <a:ea typeface="+mj-ea"/>
+              </a:rPr>
+              <a:t>문제를 포용하는 방법으로 접근</a:t>
+            </a:r>
+            <a:endParaRPr lang="en-US" altLang="ko-KR" sz="2400" b="1" dirty="0">
+              <a:latin typeface="+mj-ea"/>
+              <a:ea typeface="+mj-ea"/>
+            </a:endParaRPr>
+          </a:p>
+          <a:p>
+            <a:pPr lvl="1"/>
+            <a:r>
+              <a:rPr lang="en-US" altLang="ko-KR" sz="2000" dirty="0">
+                <a:latin typeface="+mj-ea"/>
+                <a:ea typeface="+mj-ea"/>
+              </a:rPr>
+              <a:t>hyper-Q-Learning (</a:t>
+            </a:r>
+            <a:r>
+              <a:rPr lang="en-US" altLang="ko-KR" sz="2000" dirty="0" err="1">
+                <a:latin typeface="+mj-ea"/>
+                <a:ea typeface="+mj-ea"/>
+              </a:rPr>
+              <a:t>Tesauro</a:t>
+            </a:r>
+            <a:r>
+              <a:rPr lang="en-US" altLang="ko-KR" sz="2000" dirty="0">
+                <a:latin typeface="+mj-ea"/>
+                <a:ea typeface="+mj-ea"/>
+              </a:rPr>
+              <a:t>, 2003) </a:t>
+            </a:r>
+            <a:r>
+              <a:rPr lang="ko-KR" altLang="en-US" sz="2000" dirty="0">
+                <a:latin typeface="+mj-ea"/>
+                <a:ea typeface="+mj-ea"/>
+              </a:rPr>
+              <a:t>방법 제시</a:t>
+            </a:r>
+            <a:endParaRPr lang="en-US" altLang="ko-KR" sz="2000" dirty="0">
+              <a:latin typeface="+mj-ea"/>
+              <a:ea typeface="+mj-ea"/>
+            </a:endParaRPr>
+          </a:p>
+          <a:p>
+            <a:pPr lvl="2"/>
+            <a:r>
+              <a:rPr lang="ko-KR" altLang="en-US" sz="1600" dirty="0">
+                <a:latin typeface="+mj-ea"/>
+                <a:ea typeface="+mj-ea"/>
+              </a:rPr>
+              <a:t>각 </a:t>
+            </a:r>
+            <a:r>
+              <a:rPr lang="en-US" altLang="ko-KR" sz="1600" dirty="0">
+                <a:latin typeface="+mj-ea"/>
+                <a:ea typeface="+mj-ea"/>
+              </a:rPr>
+              <a:t>agent</a:t>
+            </a:r>
+            <a:r>
+              <a:rPr lang="ko-KR" altLang="en-US" sz="1600" dirty="0">
+                <a:latin typeface="+mj-ea"/>
+                <a:ea typeface="+mj-ea"/>
+              </a:rPr>
+              <a:t>의 </a:t>
+            </a:r>
+            <a:r>
+              <a:rPr lang="en-US" altLang="ko-KR" sz="1600" dirty="0">
+                <a:latin typeface="+mj-ea"/>
+                <a:ea typeface="+mj-ea"/>
+              </a:rPr>
+              <a:t>state space</a:t>
+            </a:r>
+            <a:r>
+              <a:rPr lang="ko-KR" altLang="en-US" sz="1600" dirty="0">
+                <a:latin typeface="+mj-ea"/>
+                <a:ea typeface="+mj-ea"/>
+              </a:rPr>
+              <a:t>는 베이지안 추론으로 계산됨</a:t>
+            </a:r>
+            <a:endParaRPr lang="en-US" altLang="ko-KR" sz="1600" dirty="0">
+              <a:latin typeface="+mj-ea"/>
+              <a:ea typeface="+mj-ea"/>
+            </a:endParaRPr>
+          </a:p>
+          <a:p>
+            <a:pPr lvl="2"/>
+            <a:r>
+              <a:rPr lang="ko-KR" altLang="en-US" sz="1600" dirty="0">
+                <a:latin typeface="+mj-ea"/>
+                <a:ea typeface="+mj-ea"/>
+              </a:rPr>
+              <a:t>더 큰 </a:t>
+            </a:r>
+            <a:r>
+              <a:rPr lang="en-US" altLang="ko-KR" sz="1600" dirty="0">
+                <a:latin typeface="+mj-ea"/>
+                <a:ea typeface="+mj-ea"/>
+              </a:rPr>
+              <a:t>space </a:t>
+            </a:r>
+            <a:r>
+              <a:rPr lang="ko-KR" altLang="en-US" sz="1600" dirty="0">
+                <a:latin typeface="+mj-ea"/>
+                <a:ea typeface="+mj-ea"/>
+              </a:rPr>
+              <a:t>계산이 필요하여 </a:t>
+            </a:r>
+            <a:r>
+              <a:rPr lang="en-US" altLang="ko-KR" sz="1600" dirty="0">
+                <a:latin typeface="+mj-ea"/>
+                <a:ea typeface="+mj-ea"/>
+              </a:rPr>
+              <a:t>Q</a:t>
+            </a:r>
+            <a:r>
+              <a:rPr lang="ko-KR" altLang="en-US" sz="1600" dirty="0">
+                <a:latin typeface="+mj-ea"/>
+                <a:ea typeface="+mj-ea"/>
+              </a:rPr>
+              <a:t>함수의 차원 증가시킴</a:t>
+            </a:r>
+          </a:p>
+        </p:txBody>
+      </p:sp>
+      <p:sp>
+        <p:nvSpPr>
+          <p:cNvPr id="4" name="직사각형 3">
+            <a:extLst>
+              <a:ext uri="{FF2B5EF4-FFF2-40B4-BE49-F238E27FC236}">
+                <a16:creationId xmlns:a16="http://schemas.microsoft.com/office/drawing/2014/main" id="{796BF9DC-B295-4913-94C4-0E9A0B2C9A17}"/>
+              </a:ext>
+            </a:extLst>
+          </p:cNvPr>
+          <p:cNvSpPr/>
+          <p:nvPr/>
+        </p:nvSpPr>
+        <p:spPr>
+          <a:xfrm>
+            <a:off x="3328742" y="3244334"/>
+            <a:ext cx="2179362" cy="369332"/>
+          </a:xfrm>
+          <a:prstGeom prst="rect">
+            <a:avLst/>
+          </a:prstGeom>
+        </p:spPr>
+        <p:txBody>
+          <a:bodyPr wrap="square">
+            <a:spAutoFit/>
+          </a:bodyPr>
           <a:lstStyle/>
           <a:p>
             <a:endParaRPr lang="ko-KR" altLang="en-US" dirty="0"/>
@@ -6817,7 +7846,7 @@
     </p:spTree>
     <p:extLst>
       <p:ext uri="{BB962C8B-B14F-4D97-AF65-F5344CB8AC3E}">
-        <p14:creationId xmlns:p14="http://schemas.microsoft.com/office/powerpoint/2010/main" val="1829680484"/>
+        <p14:creationId xmlns:p14="http://schemas.microsoft.com/office/powerpoint/2010/main" val="804453548"/>
       </p:ext>
     </p:extLst>
   </p:cSld>
@@ -6867,7 +7896,7 @@
           <a:p>
             <a:r>
               <a:rPr lang="en-US" altLang="ko-KR" sz="3600" b="1" dirty="0"/>
-              <a:t>Experiments</a:t>
+              <a:t>Multi-Agent Fingerprints</a:t>
             </a:r>
             <a:endParaRPr lang="ko-KR" altLang="en-US" sz="3600" b="1" dirty="0"/>
           </a:p>
@@ -6889,107 +7918,43 @@
             <p:ph idx="1"/>
           </p:nvPr>
         </p:nvSpPr>
-        <p:spPr/>
+        <p:spPr>
+          <a:xfrm>
+            <a:off x="451520" y="1630362"/>
+            <a:ext cx="8229600" cy="4953000"/>
+          </a:xfrm>
+        </p:spPr>
         <p:txBody>
           <a:bodyPr/>
           <a:lstStyle/>
-          <a:p>
-            <a:r>
-              <a:rPr lang="ko-KR" altLang="en-US" sz="2400" b="1" dirty="0"/>
-              <a:t>다양한 테스트를 위해 여러가지 기법으로 세팅하여 비교함</a:t>
-            </a:r>
-            <a:endParaRPr lang="en-US" altLang="ko-KR" sz="2400" b="1" dirty="0"/>
-          </a:p>
-          <a:p>
-            <a:pPr lvl="1"/>
-            <a:r>
-              <a:rPr lang="en-US" altLang="ko-KR" sz="2000" dirty="0"/>
-              <a:t>XP+FP : experience replay</a:t>
-            </a:r>
-            <a:r>
-              <a:rPr lang="ko-KR" altLang="en-US" sz="2000" dirty="0"/>
-              <a:t>와 </a:t>
-            </a:r>
-            <a:r>
-              <a:rPr lang="en-US" altLang="ko-KR" sz="2000" dirty="0"/>
-              <a:t>fingerprints </a:t>
-            </a:r>
-            <a:r>
-              <a:rPr lang="ko-KR" altLang="en-US" sz="2000" dirty="0"/>
-              <a:t>기법 적용</a:t>
-            </a:r>
-            <a:endParaRPr lang="en-US" altLang="ko-KR" sz="2000" dirty="0"/>
-          </a:p>
-          <a:p>
-            <a:pPr lvl="1"/>
-            <a:r>
-              <a:rPr lang="en-US" altLang="ko-KR" sz="2000" dirty="0"/>
-              <a:t>XP+IS  : experience replay</a:t>
-            </a:r>
-            <a:r>
-              <a:rPr lang="ko-KR" altLang="en-US" sz="2000" dirty="0"/>
-              <a:t>와 </a:t>
-            </a:r>
-            <a:r>
-              <a:rPr lang="en-US" altLang="ko-KR" sz="2000" dirty="0"/>
-              <a:t>importance sampling </a:t>
-            </a:r>
-            <a:r>
-              <a:rPr lang="ko-KR" altLang="en-US" sz="2000" dirty="0"/>
-              <a:t>기법 적용</a:t>
-            </a:r>
-            <a:endParaRPr lang="en-US" altLang="ko-KR" sz="2000" dirty="0"/>
-          </a:p>
-          <a:p>
-            <a:pPr lvl="1"/>
-            <a:r>
-              <a:rPr lang="en-US" altLang="ko-KR" sz="2000" dirty="0"/>
-              <a:t>XP+IS+FP : experience replay, fingerprints, importance sampling  </a:t>
-            </a:r>
-            <a:r>
-              <a:rPr lang="ko-KR" altLang="en-US" sz="2000" dirty="0"/>
-              <a:t>모두 사용</a:t>
-            </a:r>
-            <a:endParaRPr lang="en-US" altLang="ko-KR" sz="2000" dirty="0"/>
-          </a:p>
-          <a:p>
-            <a:pPr lvl="1"/>
-            <a:r>
-              <a:rPr lang="en-US" altLang="ko-KR" sz="2000" dirty="0"/>
-              <a:t>FF : feed forward </a:t>
-            </a:r>
-            <a:r>
-              <a:rPr lang="ko-KR" altLang="en-US" sz="2000" dirty="0"/>
-              <a:t>사용</a:t>
-            </a:r>
-            <a:endParaRPr lang="en-US" altLang="ko-KR" sz="2000" dirty="0"/>
-          </a:p>
-          <a:p>
-            <a:pPr lvl="1"/>
-            <a:r>
-              <a:rPr lang="en-US" altLang="ko-KR" sz="2000" dirty="0"/>
-              <a:t>RNN : RNN </a:t>
-            </a:r>
-            <a:r>
-              <a:rPr lang="ko-KR" altLang="en-US" sz="2000" dirty="0"/>
-              <a:t>사용</a:t>
-            </a:r>
-            <a:endParaRPr lang="en-US" altLang="ko-KR" sz="2000" dirty="0"/>
-          </a:p>
           <a:p>
             <a:r>
               <a:rPr lang="en-US" altLang="ko-KR" sz="2400" b="1" dirty="0">
                 <a:latin typeface="+mj-ea"/>
                 <a:ea typeface="+mj-ea"/>
               </a:rPr>
-              <a:t>StarCraft Micromanagement  </a:t>
+              <a:t>Importance</a:t>
             </a:r>
             <a:r>
               <a:rPr lang="ko-KR" altLang="en-US" sz="2400" b="1" dirty="0">
                 <a:latin typeface="+mj-ea"/>
                 <a:ea typeface="+mj-ea"/>
               </a:rPr>
-              <a:t>환경에서 실험함</a:t>
+              <a:t> </a:t>
+            </a:r>
+            <a:r>
+              <a:rPr lang="en-US" altLang="ko-KR" sz="2400" b="1" dirty="0">
+                <a:latin typeface="+mj-ea"/>
+                <a:ea typeface="+mj-ea"/>
+              </a:rPr>
+              <a:t>Sampling </a:t>
+            </a:r>
+            <a:r>
+              <a:rPr lang="ko-KR" altLang="en-US" sz="2400" b="1" dirty="0">
+                <a:latin typeface="+mj-ea"/>
+                <a:ea typeface="+mj-ea"/>
+              </a:rPr>
+              <a:t>기법 사용</a:t>
             </a:r>
             <a:endParaRPr lang="en-US" altLang="ko-KR" sz="2400" b="1" dirty="0">
               <a:latin typeface="+mj-ea"/>
@@ -6997,19 +7962,94 @@
             </a:endParaRPr>
           </a:p>
           <a:p>
+            <a:pPr lvl="1"/>
+            <a:r>
+              <a:rPr lang="en-US" altLang="ko-KR" sz="2000" dirty="0">
+                <a:latin typeface="+mj-ea"/>
+                <a:ea typeface="+mj-ea"/>
+              </a:rPr>
+              <a:t>Large, unbounded variance </a:t>
+            </a:r>
+            <a:r>
+              <a:rPr lang="ko-KR" altLang="en-US" sz="2000" dirty="0">
+                <a:latin typeface="+mj-ea"/>
+                <a:ea typeface="+mj-ea"/>
+              </a:rPr>
+              <a:t>유발함</a:t>
+            </a:r>
+            <a:endParaRPr lang="en-US" altLang="ko-KR" sz="2000" dirty="0">
+              <a:latin typeface="+mj-ea"/>
+              <a:ea typeface="+mj-ea"/>
+            </a:endParaRPr>
+          </a:p>
+          <a:p>
+            <a:pPr lvl="2"/>
+            <a:r>
+              <a:rPr lang="en-US" altLang="ko-KR" sz="1800" dirty="0">
+                <a:latin typeface="+mj-ea"/>
+                <a:ea typeface="+mj-ea"/>
+              </a:rPr>
+              <a:t>Truncating, adjust</a:t>
+            </a:r>
+            <a:r>
+              <a:rPr lang="ko-KR" altLang="en-US" sz="1800" dirty="0">
+                <a:latin typeface="+mj-ea"/>
+                <a:ea typeface="+mj-ea"/>
+              </a:rPr>
+              <a:t>기법이 있었지만 </a:t>
+            </a:r>
+            <a:r>
+              <a:rPr lang="en-US" altLang="ko-KR" sz="1800" dirty="0">
+                <a:latin typeface="+mj-ea"/>
+                <a:ea typeface="+mj-ea"/>
+              </a:rPr>
+              <a:t>bias </a:t>
+            </a:r>
+            <a:r>
+              <a:rPr lang="ko-KR" altLang="en-US" sz="1800" dirty="0">
+                <a:latin typeface="+mj-ea"/>
+                <a:ea typeface="+mj-ea"/>
+              </a:rPr>
+              <a:t>발생시킴</a:t>
+            </a:r>
+            <a:endParaRPr lang="en-US" altLang="ko-KR" dirty="0">
+              <a:latin typeface="+mj-ea"/>
+              <a:ea typeface="+mj-ea"/>
+            </a:endParaRPr>
+          </a:p>
+          <a:p>
+            <a:endParaRPr lang="en-US" altLang="ko-KR" sz="2400" b="1" dirty="0">
+              <a:latin typeface="+mj-ea"/>
+              <a:ea typeface="+mj-ea"/>
+            </a:endParaRPr>
+          </a:p>
+          <a:p>
+            <a:endParaRPr lang="en-US" altLang="ko-KR" sz="2400" b="1" dirty="0">
+              <a:latin typeface="+mj-ea"/>
+              <a:ea typeface="+mj-ea"/>
+            </a:endParaRPr>
+          </a:p>
+          <a:p>
             <a:r>
               <a:rPr lang="ko-KR" altLang="en-US" sz="2400" b="1" dirty="0">
                 <a:latin typeface="+mj-ea"/>
                 <a:ea typeface="+mj-ea"/>
               </a:rPr>
-              <a:t>사용된 </a:t>
-            </a:r>
-            <a:r>
-              <a:rPr lang="ko-KR" altLang="en-US" sz="2400" b="1" dirty="0" err="1">
+              <a:t>위 문제를 고치는 대신 </a:t>
+            </a:r>
+            <a:r>
+              <a:rPr lang="en-US" altLang="ko-KR" sz="2400" b="1" dirty="0">
                 <a:latin typeface="+mj-ea"/>
                 <a:ea typeface="+mj-ea"/>
               </a:rPr>
-              <a:t>아키텍쳐</a:t>
+              <a:t>non-stationary </a:t>
+            </a:r>
+            <a:r>
+              <a:rPr lang="ko-KR" altLang="en-US" sz="2400" b="1" dirty="0">
+                <a:latin typeface="+mj-ea"/>
+                <a:ea typeface="+mj-ea"/>
+              </a:rPr>
+              <a:t>문제를 포용하는 방법으로 접근</a:t>
             </a:r>
             <a:endParaRPr lang="en-US" altLang="ko-KR" sz="2400" b="1" dirty="0">
               <a:latin typeface="+mj-ea"/>
@@ -7019,30 +8059,146 @@
           <a:p>
             <a:pPr lvl="1"/>
             <a:r>
-              <a:rPr lang="en-US" altLang="ko-KR" sz="2000" dirty="0"/>
-              <a:t>DQN, GRU </a:t>
-            </a:r>
-            <a:r>
-              <a:rPr lang="ko-KR" altLang="en-US" sz="2000" dirty="0"/>
-              <a:t>사용</a:t>
-            </a:r>
-            <a:endParaRPr lang="en-US" altLang="ko-KR" sz="2000" b="1" dirty="0">
+              <a:rPr lang="en-US" altLang="ko-KR" sz="2000" dirty="0">
+                <a:latin typeface="+mj-ea"/>
+                <a:ea typeface="+mj-ea"/>
+              </a:rPr>
+              <a:t>hyper-Q-Learning (</a:t>
+            </a:r>
+            <a:r>
+              <a:rPr lang="en-US" altLang="ko-KR" sz="2000" dirty="0" err="1">
+                <a:latin typeface="+mj-ea"/>
+                <a:ea typeface="+mj-ea"/>
+              </a:rPr>
+              <a:t>Tesauro</a:t>
+            </a:r>
+            <a:r>
+              <a:rPr lang="en-US" altLang="ko-KR" sz="2000" dirty="0">
+                <a:latin typeface="+mj-ea"/>
+                <a:ea typeface="+mj-ea"/>
+              </a:rPr>
+              <a:t>, 2003) </a:t>
+            </a:r>
+            <a:r>
+              <a:rPr lang="ko-KR" altLang="en-US" sz="2000" dirty="0">
+                <a:latin typeface="+mj-ea"/>
+                <a:ea typeface="+mj-ea"/>
+              </a:rPr>
+              <a:t>방법 제시</a:t>
+            </a:r>
+            <a:endParaRPr lang="en-US" altLang="ko-KR" sz="2000" dirty="0">
               <a:latin typeface="+mj-ea"/>
               <a:ea typeface="+mj-ea"/>
             </a:endParaRPr>
           </a:p>
           <a:p>
-            <a:endParaRPr lang="en-US" altLang="ko-KR" b="1" dirty="0">
+            <a:pPr lvl="2"/>
+            <a:r>
+              <a:rPr lang="ko-KR" altLang="en-US" sz="1600" dirty="0">
+                <a:latin typeface="+mj-ea"/>
+                <a:ea typeface="+mj-ea"/>
+              </a:rPr>
+              <a:t>각 </a:t>
+            </a:r>
+            <a:r>
+              <a:rPr lang="en-US" altLang="ko-KR" sz="1600" dirty="0">
+                <a:latin typeface="+mj-ea"/>
+                <a:ea typeface="+mj-ea"/>
+              </a:rPr>
+              <a:t>agent</a:t>
+            </a:r>
+            <a:r>
+              <a:rPr lang="ko-KR" altLang="en-US" sz="1600" dirty="0">
+                <a:latin typeface="+mj-ea"/>
+                <a:ea typeface="+mj-ea"/>
+              </a:rPr>
+              <a:t>의 </a:t>
+            </a:r>
+            <a:r>
+              <a:rPr lang="en-US" altLang="ko-KR" sz="1600" dirty="0">
+                <a:latin typeface="+mj-ea"/>
+                <a:ea typeface="+mj-ea"/>
+              </a:rPr>
+              <a:t>state space</a:t>
+            </a:r>
+            <a:r>
+              <a:rPr lang="ko-KR" altLang="en-US" sz="1600" dirty="0">
+                <a:latin typeface="+mj-ea"/>
+                <a:ea typeface="+mj-ea"/>
+              </a:rPr>
+              <a:t>는 베이지안 추론으로 계산됨</a:t>
+            </a:r>
+            <a:endParaRPr lang="en-US" altLang="ko-KR" sz="1600" dirty="0">
               <a:latin typeface="+mj-ea"/>
               <a:ea typeface="+mj-ea"/>
             </a:endParaRPr>
           </a:p>
           <a:p>
-            <a:endParaRPr lang="en-US" altLang="ko-KR" dirty="0"/>
-          </a:p>
-          <a:p>
-            <a:endParaRPr lang="en-US" altLang="ko-KR" dirty="0"/>
-          </a:p>
+            <a:pPr lvl="2"/>
+            <a:r>
+              <a:rPr lang="ko-KR" altLang="en-US" sz="1600" dirty="0">
+                <a:latin typeface="+mj-ea"/>
+                <a:ea typeface="+mj-ea"/>
+              </a:rPr>
+              <a:t>더 큰 </a:t>
+            </a:r>
+            <a:r>
+              <a:rPr lang="en-US" altLang="ko-KR" sz="1600" dirty="0">
+                <a:latin typeface="+mj-ea"/>
+                <a:ea typeface="+mj-ea"/>
+              </a:rPr>
+              <a:t>space </a:t>
+            </a:r>
+            <a:r>
+              <a:rPr lang="ko-KR" altLang="en-US" sz="1600" dirty="0">
+                <a:latin typeface="+mj-ea"/>
+                <a:ea typeface="+mj-ea"/>
+              </a:rPr>
+              <a:t>계산이 필요하여 </a:t>
+            </a:r>
+            <a:r>
+              <a:rPr lang="en-US" altLang="ko-KR" sz="1600" dirty="0">
+                <a:latin typeface="+mj-ea"/>
+                <a:ea typeface="+mj-ea"/>
+              </a:rPr>
+              <a:t>Q</a:t>
+            </a:r>
+            <a:r>
+              <a:rPr lang="ko-KR" altLang="en-US" sz="1600" dirty="0">
+                <a:latin typeface="+mj-ea"/>
+                <a:ea typeface="+mj-ea"/>
+              </a:rPr>
+              <a:t>함수의 차원 증가시킴</a:t>
+            </a:r>
+          </a:p>
+        </p:txBody>
+      </p:sp>
+      <p:sp>
+        <p:nvSpPr>
+          <p:cNvPr id="4" name="직사각형 3">
+            <a:extLst>
+              <a:ext uri="{FF2B5EF4-FFF2-40B4-BE49-F238E27FC236}">
+                <a16:creationId xmlns:a16="http://schemas.microsoft.com/office/drawing/2014/main" id="{796BF9DC-B295-4913-94C4-0E9A0B2C9A17}"/>
+              </a:ext>
+            </a:extLst>
+          </p:cNvPr>
+          <p:cNvSpPr/>
+          <p:nvPr/>
+        </p:nvSpPr>
+        <p:spPr>
+          <a:xfrm>
+            <a:off x="3328742" y="3244334"/>
+            <a:ext cx="2179362" cy="369332"/>
+          </a:xfrm>
+          <a:prstGeom prst="rect">
+            <a:avLst/>
+          </a:prstGeom>
+        </p:spPr>
+        <p:txBody>
+          <a:bodyPr wrap="square">
+            <a:spAutoFit/>
+          </a:bodyPr>
+          <a:lstStyle/>
           <a:p>
             <a:endParaRPr lang="ko-KR" altLang="en-US" dirty="0"/>
           </a:p>
@@ -7051,7 +8207,7 @@
     </p:spTree>
     <p:extLst>
       <p:ext uri="{BB962C8B-B14F-4D97-AF65-F5344CB8AC3E}">
-        <p14:creationId xmlns:p14="http://schemas.microsoft.com/office/powerpoint/2010/main" val="789411042"/>
+        <p14:creationId xmlns:p14="http://schemas.microsoft.com/office/powerpoint/2010/main" val="900777691"/>
       </p:ext>
     </p:extLst>
   </p:cSld>
@@ -7083,6 +8239,687 @@
           <p:cNvPr id="2" name="제목 1">
             <a:extLst>
               <a:ext uri="{FF2B5EF4-FFF2-40B4-BE49-F238E27FC236}">
+                <a16:creationId xmlns:a16="http://schemas.microsoft.com/office/drawing/2014/main" id="{15A43040-FDE0-41CA-A523-30C7DE7EC5CC}"/>
+              </a:ext>
+            </a:extLst>
+          </p:cNvPr>
+          <p:cNvSpPr>
+            <a:spLocks noGrp="1"/>
+          </p:cNvSpPr>
+          <p:nvPr>
+            <p:ph type="title"/>
+          </p:nvPr>
+        </p:nvSpPr>
+        <p:spPr/>
+        <p:txBody>
+          <a:bodyPr/>
+          <a:lstStyle/>
+          <a:p>
+            <a:r>
+              <a:rPr lang="en-US" altLang="ko-KR" sz="3600" b="1" dirty="0"/>
+              <a:t>Multi-Agent Fingerprints</a:t>
+            </a:r>
+            <a:endParaRPr lang="ko-KR" altLang="en-US" sz="3600" b="1" dirty="0"/>
+          </a:p>
+        </p:txBody>
+      </p:sp>
+      <p:sp>
+        <p:nvSpPr>
+          <p:cNvPr id="3" name="내용 개체 틀 2">
+            <a:extLst>
+              <a:ext uri="{FF2B5EF4-FFF2-40B4-BE49-F238E27FC236}">
+                <a16:creationId xmlns:a16="http://schemas.microsoft.com/office/drawing/2014/main" id="{A13F8D4D-F555-4C80-BEA5-60904777A55C}"/>
+              </a:ext>
+            </a:extLst>
+          </p:cNvPr>
+          <p:cNvSpPr>
+            <a:spLocks noGrp="1"/>
+          </p:cNvSpPr>
+          <p:nvPr>
+            <p:ph idx="1"/>
+          </p:nvPr>
+        </p:nvSpPr>
+        <p:spPr>
+          <a:xfrm>
+            <a:off x="451520" y="1630362"/>
+            <a:ext cx="8229600" cy="4953000"/>
+          </a:xfrm>
+        </p:spPr>
+        <p:txBody>
+          <a:bodyPr/>
+          <a:lstStyle/>
+          <a:p>
+            <a:r>
+              <a:rPr lang="ko-KR" altLang="en-US" sz="2400" dirty="0"/>
+              <a:t>새로운 </a:t>
+            </a:r>
+            <a:r>
+              <a:rPr lang="en-US" altLang="ko-KR" sz="2400" dirty="0"/>
+              <a:t>Observation </a:t>
+            </a:r>
+            <a:r>
+              <a:rPr lang="ko-KR" altLang="en-US" sz="2400" dirty="0"/>
+              <a:t>함수 사용</a:t>
+            </a:r>
+            <a:endParaRPr lang="en-US" altLang="ko-KR" sz="2400" dirty="0"/>
+          </a:p>
+          <a:p>
+            <a:endParaRPr lang="en-US" altLang="ko-KR" sz="2400" b="1" dirty="0">
+              <a:latin typeface="+mj-ea"/>
+              <a:ea typeface="+mj-ea"/>
+            </a:endParaRPr>
+          </a:p>
+          <a:p>
+            <a:endParaRPr lang="en-US" altLang="ko-KR" sz="2400" b="1" dirty="0">
+              <a:latin typeface="+mj-ea"/>
+              <a:ea typeface="+mj-ea"/>
+            </a:endParaRPr>
+          </a:p>
+          <a:p>
+            <a:pPr marL="0" indent="0">
+              <a:buNone/>
+            </a:pPr>
+            <a:endParaRPr lang="en-US" altLang="ko-KR" sz="2400" b="1" dirty="0">
+              <a:latin typeface="+mj-ea"/>
+              <a:ea typeface="+mj-ea"/>
+            </a:endParaRPr>
+          </a:p>
+          <a:p>
+            <a:pPr marL="457200" lvl="1" indent="0">
+              <a:buNone/>
+            </a:pPr>
+            <a:r>
+              <a:rPr lang="en-US" altLang="ko-KR" sz="2000" dirty="0">
+                <a:latin typeface="+mj-ea"/>
+                <a:ea typeface="+mj-ea"/>
+              </a:rPr>
+              <a:t>   </a:t>
+            </a:r>
+            <a:r>
+              <a:rPr lang="ko-KR" altLang="en-US" sz="2000" dirty="0">
+                <a:latin typeface="+mj-ea"/>
+                <a:ea typeface="+mj-ea"/>
+              </a:rPr>
+              <a:t>에 관련 해서는 </a:t>
+            </a:r>
+            <a:r>
+              <a:rPr lang="en-US" altLang="ko-KR" sz="2000" dirty="0">
+                <a:latin typeface="+mj-ea"/>
+                <a:ea typeface="+mj-ea"/>
+              </a:rPr>
+              <a:t>replay memory</a:t>
+            </a:r>
+            <a:r>
+              <a:rPr lang="ko-KR" altLang="en-US" sz="2000" dirty="0">
+                <a:latin typeface="+mj-ea"/>
+                <a:ea typeface="+mj-ea"/>
+              </a:rPr>
+              <a:t>에서 </a:t>
+            </a:r>
+            <a:r>
+              <a:rPr lang="en-US" altLang="ko-KR" sz="2000" dirty="0"/>
+              <a:t>actually occur</a:t>
+            </a:r>
+            <a:r>
+              <a:rPr lang="ko-KR" altLang="en-US" sz="2000" dirty="0"/>
+              <a:t>된 것만 사용</a:t>
+            </a:r>
+            <a:endParaRPr lang="en-US" altLang="ko-KR" sz="2000" dirty="0">
+              <a:latin typeface="+mj-ea"/>
+              <a:ea typeface="+mj-ea"/>
+            </a:endParaRPr>
+          </a:p>
+          <a:p>
+            <a:pPr marL="457200" lvl="1" indent="0">
+              <a:buNone/>
+            </a:pPr>
+            <a:r>
+              <a:rPr lang="en-US" altLang="ko-KR" sz="2000" b="1" dirty="0">
+                <a:latin typeface="+mj-ea"/>
+                <a:ea typeface="+mj-ea"/>
+              </a:rPr>
+              <a:t>	</a:t>
+            </a:r>
+          </a:p>
+          <a:p>
+            <a:r>
+              <a:rPr lang="en-US" altLang="ko-KR" sz="2400" dirty="0"/>
+              <a:t>iteration number ‘e’, rate of exploration </a:t>
+            </a:r>
+          </a:p>
+          <a:p>
+            <a:endParaRPr lang="en-US" altLang="ko-KR" sz="2400" b="1" dirty="0">
+              <a:latin typeface="+mj-ea"/>
+              <a:ea typeface="+mj-ea"/>
+            </a:endParaRPr>
+          </a:p>
+          <a:p>
+            <a:endParaRPr lang="en-US" altLang="ko-KR" sz="2400" b="1" dirty="0">
+              <a:latin typeface="+mj-ea"/>
+              <a:ea typeface="+mj-ea"/>
+            </a:endParaRPr>
+          </a:p>
+          <a:p>
+            <a:endParaRPr lang="ko-KR" altLang="en-US" sz="1600" dirty="0">
+              <a:latin typeface="+mj-ea"/>
+              <a:ea typeface="+mj-ea"/>
+            </a:endParaRPr>
+          </a:p>
+        </p:txBody>
+      </p:sp>
+      <p:sp>
+        <p:nvSpPr>
+          <p:cNvPr id="4" name="직사각형 3">
+            <a:extLst>
+              <a:ext uri="{FF2B5EF4-FFF2-40B4-BE49-F238E27FC236}">
+                <a16:creationId xmlns:a16="http://schemas.microsoft.com/office/drawing/2014/main" id="{796BF9DC-B295-4913-94C4-0E9A0B2C9A17}"/>
+              </a:ext>
+            </a:extLst>
+          </p:cNvPr>
+          <p:cNvSpPr/>
+          <p:nvPr/>
+        </p:nvSpPr>
+        <p:spPr>
+          <a:xfrm>
+            <a:off x="3328742" y="3244334"/>
+            <a:ext cx="2179362" cy="369332"/>
+          </a:xfrm>
+          <a:prstGeom prst="rect">
+            <a:avLst/>
+          </a:prstGeom>
+        </p:spPr>
+        <p:txBody>
+          <a:bodyPr wrap="square">
+            <a:spAutoFit/>
+          </a:bodyPr>
+          <a:lstStyle/>
+          <a:p>
+            <a:endParaRPr lang="ko-KR" altLang="en-US" dirty="0"/>
+          </a:p>
+        </p:txBody>
+      </p:sp>
+      <p:pic>
+        <p:nvPicPr>
+          <p:cNvPr id="5" name="그림 4">
+            <a:extLst>
+              <a:ext uri="{FF2B5EF4-FFF2-40B4-BE49-F238E27FC236}">
+                <a16:creationId xmlns:a16="http://schemas.microsoft.com/office/drawing/2014/main" id="{A573640E-17FE-4DD1-887B-9647A8EE26A3}"/>
+              </a:ext>
+            </a:extLst>
+          </p:cNvPr>
+          <p:cNvPicPr>
+            <a:picLocks noChangeAspect="1"/>
+          </p:cNvPicPr>
+          <p:nvPr/>
+        </p:nvPicPr>
+        <p:blipFill>
+          <a:blip r:embed="rId3"/>
+          <a:stretch>
+            <a:fillRect/>
+          </a:stretch>
+        </p:blipFill>
+        <p:spPr>
+          <a:xfrm>
+            <a:off x="2483960" y="2544487"/>
+            <a:ext cx="3350276" cy="602769"/>
+          </a:xfrm>
+          <a:prstGeom prst="rect">
+            <a:avLst/>
+          </a:prstGeom>
+        </p:spPr>
+      </p:pic>
+      <p:sp>
+        <p:nvSpPr>
+          <p:cNvPr id="11" name="직사각형 10">
+            <a:extLst>
+              <a:ext uri="{FF2B5EF4-FFF2-40B4-BE49-F238E27FC236}">
+                <a16:creationId xmlns:a16="http://schemas.microsoft.com/office/drawing/2014/main" id="{36186D7A-3BA1-4566-99CC-3BAD31219964}"/>
+              </a:ext>
+            </a:extLst>
+          </p:cNvPr>
+          <p:cNvSpPr/>
+          <p:nvPr/>
+        </p:nvSpPr>
+        <p:spPr>
+          <a:xfrm>
+            <a:off x="611560" y="3399656"/>
+            <a:ext cx="1008112" cy="400110"/>
+          </a:xfrm>
+          <a:prstGeom prst="rect">
+            <a:avLst/>
+          </a:prstGeom>
+        </p:spPr>
+        <p:txBody>
+          <a:bodyPr wrap="square">
+            <a:spAutoFit/>
+          </a:bodyPr>
+          <a:lstStyle/>
+          <a:p>
+            <a:r>
+              <a:rPr lang="el-GR" altLang="ko-KR" sz="2000" dirty="0"/>
+              <a:t>θ−</a:t>
+            </a:r>
+            <a:r>
+              <a:rPr lang="en-US" altLang="ko-KR" sz="2000" dirty="0"/>
+              <a:t>a</a:t>
+            </a:r>
+            <a:endParaRPr lang="ko-KR" altLang="en-US" sz="2000" dirty="0"/>
+          </a:p>
+        </p:txBody>
+      </p:sp>
+      <p:pic>
+        <p:nvPicPr>
+          <p:cNvPr id="12" name="그림 11">
+            <a:extLst>
+              <a:ext uri="{FF2B5EF4-FFF2-40B4-BE49-F238E27FC236}">
+                <a16:creationId xmlns:a16="http://schemas.microsoft.com/office/drawing/2014/main" id="{673210E9-197B-4736-8DEA-87FFB269B484}"/>
+              </a:ext>
+            </a:extLst>
+          </p:cNvPr>
+          <p:cNvPicPr>
+            <a:picLocks noChangeAspect="1"/>
+          </p:cNvPicPr>
+          <p:nvPr/>
+        </p:nvPicPr>
+        <p:blipFill>
+          <a:blip r:embed="rId4"/>
+          <a:stretch>
+            <a:fillRect/>
+          </a:stretch>
+        </p:blipFill>
+        <p:spPr>
+          <a:xfrm>
+            <a:off x="5796136" y="4221088"/>
+            <a:ext cx="235097" cy="323259"/>
+          </a:xfrm>
+          <a:prstGeom prst="rect">
+            <a:avLst/>
+          </a:prstGeom>
+        </p:spPr>
+      </p:pic>
+      <p:pic>
+        <p:nvPicPr>
+          <p:cNvPr id="13" name="그림 12">
+            <a:extLst>
+              <a:ext uri="{FF2B5EF4-FFF2-40B4-BE49-F238E27FC236}">
+                <a16:creationId xmlns:a16="http://schemas.microsoft.com/office/drawing/2014/main" id="{4A74312A-2A7B-473A-B2E2-F415F433FBE3}"/>
+              </a:ext>
+            </a:extLst>
+          </p:cNvPr>
+          <p:cNvPicPr>
+            <a:picLocks noChangeAspect="1"/>
+          </p:cNvPicPr>
+          <p:nvPr/>
+        </p:nvPicPr>
+        <p:blipFill>
+          <a:blip r:embed="rId5"/>
+          <a:stretch>
+            <a:fillRect/>
+          </a:stretch>
+        </p:blipFill>
+        <p:spPr>
+          <a:xfrm>
+            <a:off x="1674822" y="5259339"/>
+            <a:ext cx="4968552" cy="717680"/>
+          </a:xfrm>
+          <a:prstGeom prst="rect">
+            <a:avLst/>
+          </a:prstGeom>
+        </p:spPr>
+      </p:pic>
+    </p:spTree>
+    <p:extLst>
+      <p:ext uri="{BB962C8B-B14F-4D97-AF65-F5344CB8AC3E}">
+        <p14:creationId xmlns:p14="http://schemas.microsoft.com/office/powerpoint/2010/main" val="43882085"/>
+      </p:ext>
+    </p:extLst>
+  </p:cSld>
+  <p:clrMapOvr>
+    <a:masterClrMapping/>
+  </p:clrMapOvr>
+</p:sld>
+</file>
+
+<file path=ppt/slides/slide16.xml><?xml version="1.0" encoding="utf-8"?>
+<p:sld xmlns:a="http://schemas.openxmlformats.org/drawingml/2006/main" xmlns:r="http://schemas.openxmlformats.org/officeDocument/2006/relationships" xmlns:p="http://schemas.openxmlformats.org/presentationml/2006/main">
+  <p:cSld>
+    <p:spTree>
+      <p:nvGrpSpPr>
+        <p:cNvPr id="1" name=""/>
+        <p:cNvGrpSpPr/>
+        <p:nvPr/>
+      </p:nvGrpSpPr>
+      <p:grpSpPr>
+        <a:xfrm>
+          <a:off x="0" y="0"/>
+          <a:ext cx="0" cy="0"/>
+          <a:chOff x="0" y="0"/>
+          <a:chExt cx="0" cy="0"/>
+        </a:xfrm>
+      </p:grpSpPr>
+      <p:sp>
+        <p:nvSpPr>
+          <p:cNvPr id="2" name="제목 1">
+            <a:extLst>
+              <a:ext uri="{FF2B5EF4-FFF2-40B4-BE49-F238E27FC236}">
+                <a16:creationId xmlns:a16="http://schemas.microsoft.com/office/drawing/2014/main" id="{AC703D32-08EA-4A17-AD5F-F361330ABABD}"/>
+              </a:ext>
+            </a:extLst>
+          </p:cNvPr>
+          <p:cNvSpPr>
+            <a:spLocks noGrp="1"/>
+          </p:cNvSpPr>
+          <p:nvPr>
+            <p:ph type="title"/>
+          </p:nvPr>
+        </p:nvSpPr>
+        <p:spPr/>
+        <p:txBody>
+          <a:bodyPr/>
+          <a:lstStyle/>
+          <a:p>
+            <a:r>
+              <a:rPr lang="en-US" altLang="ko-KR" dirty="0"/>
+              <a:t>Experiments</a:t>
+            </a:r>
+            <a:endParaRPr lang="ko-KR" altLang="en-US" dirty="0"/>
+          </a:p>
+        </p:txBody>
+      </p:sp>
+      <p:sp>
+        <p:nvSpPr>
+          <p:cNvPr id="3" name="텍스트 개체 틀 2">
+            <a:extLst>
+              <a:ext uri="{FF2B5EF4-FFF2-40B4-BE49-F238E27FC236}">
+                <a16:creationId xmlns:a16="http://schemas.microsoft.com/office/drawing/2014/main" id="{D61BA234-B7AB-4EEE-9EF1-5794FA55B6EB}"/>
+              </a:ext>
+            </a:extLst>
+          </p:cNvPr>
+          <p:cNvSpPr>
+            <a:spLocks noGrp="1"/>
+          </p:cNvSpPr>
+          <p:nvPr>
+            <p:ph type="body" idx="1"/>
+          </p:nvPr>
+        </p:nvSpPr>
+        <p:spPr/>
+        <p:txBody>
+          <a:bodyPr/>
+          <a:lstStyle/>
+          <a:p>
+            <a:endParaRPr lang="ko-KR" altLang="en-US" dirty="0"/>
+          </a:p>
+        </p:txBody>
+      </p:sp>
+    </p:spTree>
+    <p:extLst>
+      <p:ext uri="{BB962C8B-B14F-4D97-AF65-F5344CB8AC3E}">
+        <p14:creationId xmlns:p14="http://schemas.microsoft.com/office/powerpoint/2010/main" val="1829680484"/>
+      </p:ext>
+    </p:extLst>
+  </p:cSld>
+  <p:clrMapOvr>
+    <a:masterClrMapping/>
+  </p:clrMapOvr>
+</p:sld>
+</file>
+
+<file path=ppt/slides/slide17.xml><?xml version="1.0" encoding="utf-8"?>
+<p:sld xmlns:a="http://schemas.openxmlformats.org/drawingml/2006/main" xmlns:r="http://schemas.openxmlformats.org/officeDocument/2006/relationships" xmlns:p="http://schemas.openxmlformats.org/presentationml/2006/main">
+  <p:cSld>
+    <p:spTree>
+      <p:nvGrpSpPr>
+        <p:cNvPr id="1" name=""/>
+        <p:cNvGrpSpPr/>
+        <p:nvPr/>
+      </p:nvGrpSpPr>
+      <p:grpSpPr>
+        <a:xfrm>
+          <a:off x="0" y="0"/>
+          <a:ext cx="0" cy="0"/>
+          <a:chOff x="0" y="0"/>
+          <a:chExt cx="0" cy="0"/>
+        </a:xfrm>
+      </p:grpSpPr>
+      <p:sp>
+        <p:nvSpPr>
+          <p:cNvPr id="2" name="제목 1">
+            <a:extLst>
+              <a:ext uri="{FF2B5EF4-FFF2-40B4-BE49-F238E27FC236}">
+                <a16:creationId xmlns:a16="http://schemas.microsoft.com/office/drawing/2014/main" id="{15A43040-FDE0-41CA-A523-30C7DE7EC5CC}"/>
+              </a:ext>
+            </a:extLst>
+          </p:cNvPr>
+          <p:cNvSpPr>
+            <a:spLocks noGrp="1"/>
+          </p:cNvSpPr>
+          <p:nvPr>
+            <p:ph type="title"/>
+          </p:nvPr>
+        </p:nvSpPr>
+        <p:spPr/>
+        <p:txBody>
+          <a:bodyPr/>
+          <a:lstStyle/>
+          <a:p>
+            <a:r>
+              <a:rPr lang="en-US" altLang="ko-KR" sz="3600" b="1" dirty="0"/>
+              <a:t>Experiments</a:t>
+            </a:r>
+            <a:endParaRPr lang="ko-KR" altLang="en-US" sz="3600" b="1" dirty="0"/>
+          </a:p>
+        </p:txBody>
+      </p:sp>
+      <p:sp>
+        <p:nvSpPr>
+          <p:cNvPr id="3" name="내용 개체 틀 2">
+            <a:extLst>
+              <a:ext uri="{FF2B5EF4-FFF2-40B4-BE49-F238E27FC236}">
+                <a16:creationId xmlns:a16="http://schemas.microsoft.com/office/drawing/2014/main" id="{A13F8D4D-F555-4C80-BEA5-60904777A55C}"/>
+              </a:ext>
+            </a:extLst>
+          </p:cNvPr>
+          <p:cNvSpPr>
+            <a:spLocks noGrp="1"/>
+          </p:cNvSpPr>
+          <p:nvPr>
+            <p:ph idx="1"/>
+          </p:nvPr>
+        </p:nvSpPr>
+        <p:spPr/>
+        <p:txBody>
+          <a:bodyPr/>
+          <a:lstStyle/>
+          <a:p>
+            <a:r>
+              <a:rPr lang="ko-KR" altLang="en-US" sz="2400" b="1" dirty="0"/>
+              <a:t>다양한 테스트를 위해 여러가지 기법으로 세팅하여 비교함</a:t>
+            </a:r>
+            <a:endParaRPr lang="en-US" altLang="ko-KR" sz="2400" b="1" dirty="0"/>
+          </a:p>
+          <a:p>
+            <a:pPr lvl="1"/>
+            <a:r>
+              <a:rPr lang="en-US" altLang="ko-KR" sz="2000" dirty="0"/>
+              <a:t>XP+FP : experience replay</a:t>
+            </a:r>
+            <a:r>
+              <a:rPr lang="ko-KR" altLang="en-US" sz="2000" dirty="0"/>
+              <a:t>와 </a:t>
+            </a:r>
+            <a:r>
+              <a:rPr lang="en-US" altLang="ko-KR" sz="2000" dirty="0"/>
+              <a:t>fingerprints </a:t>
+            </a:r>
+            <a:r>
+              <a:rPr lang="ko-KR" altLang="en-US" sz="2000" dirty="0"/>
+              <a:t>기법 적용</a:t>
+            </a:r>
+            <a:endParaRPr lang="en-US" altLang="ko-KR" sz="2000" dirty="0"/>
+          </a:p>
+          <a:p>
+            <a:pPr lvl="1"/>
+            <a:r>
+              <a:rPr lang="en-US" altLang="ko-KR" sz="2000" dirty="0"/>
+              <a:t>XP+IS  : experience replay</a:t>
+            </a:r>
+            <a:r>
+              <a:rPr lang="ko-KR" altLang="en-US" sz="2000" dirty="0"/>
+              <a:t>와 </a:t>
+            </a:r>
+            <a:r>
+              <a:rPr lang="en-US" altLang="ko-KR" sz="2000" dirty="0"/>
+              <a:t>importance sampling </a:t>
+            </a:r>
+            <a:r>
+              <a:rPr lang="ko-KR" altLang="en-US" sz="2000" dirty="0"/>
+              <a:t>기법 적용</a:t>
+            </a:r>
+            <a:endParaRPr lang="en-US" altLang="ko-KR" sz="2000" dirty="0"/>
+          </a:p>
+          <a:p>
+            <a:pPr lvl="1"/>
+            <a:r>
+              <a:rPr lang="en-US" altLang="ko-KR" sz="2000" dirty="0"/>
+              <a:t>XP+IS+FP : experience replay, fingerprints, importance sampling  </a:t>
+            </a:r>
+            <a:r>
+              <a:rPr lang="ko-KR" altLang="en-US" sz="2000" dirty="0"/>
+              <a:t>모두 사용</a:t>
+            </a:r>
+            <a:endParaRPr lang="en-US" altLang="ko-KR" sz="2000" dirty="0"/>
+          </a:p>
+          <a:p>
+            <a:pPr lvl="1"/>
+            <a:r>
+              <a:rPr lang="en-US" altLang="ko-KR" sz="2000" dirty="0"/>
+              <a:t>FF : feed forward </a:t>
+            </a:r>
+            <a:r>
+              <a:rPr lang="ko-KR" altLang="en-US" sz="2000" dirty="0"/>
+              <a:t>사용</a:t>
+            </a:r>
+            <a:endParaRPr lang="en-US" altLang="ko-KR" sz="2000" dirty="0"/>
+          </a:p>
+          <a:p>
+            <a:pPr lvl="1"/>
+            <a:r>
+              <a:rPr lang="en-US" altLang="ko-KR" sz="2000" dirty="0"/>
+              <a:t>RNN : RNN </a:t>
+            </a:r>
+            <a:r>
+              <a:rPr lang="ko-KR" altLang="en-US" sz="2000" dirty="0"/>
+              <a:t>사용</a:t>
+            </a:r>
+            <a:endParaRPr lang="en-US" altLang="ko-KR" sz="2000" dirty="0"/>
+          </a:p>
+          <a:p>
+            <a:r>
+              <a:rPr lang="en-US" altLang="ko-KR" sz="2400" b="1" dirty="0">
+                <a:latin typeface="+mj-ea"/>
+                <a:ea typeface="+mj-ea"/>
+              </a:rPr>
+              <a:t>StarCraft Micromanagement  </a:t>
+            </a:r>
+            <a:r>
+              <a:rPr lang="ko-KR" altLang="en-US" sz="2400" b="1" dirty="0">
+                <a:latin typeface="+mj-ea"/>
+                <a:ea typeface="+mj-ea"/>
+              </a:rPr>
+              <a:t>환경에서 실험함</a:t>
+            </a:r>
+            <a:endParaRPr lang="en-US" altLang="ko-KR" sz="2400" b="1" dirty="0">
+              <a:latin typeface="+mj-ea"/>
+              <a:ea typeface="+mj-ea"/>
+            </a:endParaRPr>
+          </a:p>
+          <a:p>
+            <a:r>
+              <a:rPr lang="ko-KR" altLang="en-US" sz="2400" b="1" dirty="0">
+                <a:latin typeface="+mj-ea"/>
+                <a:ea typeface="+mj-ea"/>
+              </a:rPr>
+              <a:t>사용된 </a:t>
+            </a:r>
+            <a:r>
+              <a:rPr lang="ko-KR" altLang="en-US" sz="2400" b="1" dirty="0" err="1">
+                <a:latin typeface="+mj-ea"/>
+                <a:ea typeface="+mj-ea"/>
+              </a:rPr>
+              <a:t>아키텍쳐</a:t>
+            </a:r>
+            <a:endParaRPr lang="en-US" altLang="ko-KR" sz="2400" b="1" dirty="0">
+              <a:latin typeface="+mj-ea"/>
+              <a:ea typeface="+mj-ea"/>
+            </a:endParaRPr>
+          </a:p>
+          <a:p>
+            <a:pPr lvl="1"/>
+            <a:r>
+              <a:rPr lang="en-US" altLang="ko-KR" sz="2000" dirty="0"/>
+              <a:t>DQN, GRU </a:t>
+            </a:r>
+            <a:r>
+              <a:rPr lang="ko-KR" altLang="en-US" sz="2000" dirty="0"/>
+              <a:t>사용</a:t>
+            </a:r>
+            <a:endParaRPr lang="en-US" altLang="ko-KR" sz="2000" b="1" dirty="0">
+              <a:latin typeface="+mj-ea"/>
+              <a:ea typeface="+mj-ea"/>
+            </a:endParaRPr>
+          </a:p>
+          <a:p>
+            <a:endParaRPr lang="en-US" altLang="ko-KR" b="1" dirty="0">
+              <a:latin typeface="+mj-ea"/>
+              <a:ea typeface="+mj-ea"/>
+            </a:endParaRPr>
+          </a:p>
+          <a:p>
+            <a:endParaRPr lang="en-US" altLang="ko-KR" dirty="0"/>
+          </a:p>
+          <a:p>
+            <a:endParaRPr lang="en-US" altLang="ko-KR" dirty="0"/>
+          </a:p>
+          <a:p>
+            <a:endParaRPr lang="ko-KR" altLang="en-US" dirty="0"/>
+          </a:p>
+        </p:txBody>
+      </p:sp>
+    </p:spTree>
+    <p:extLst>
+      <p:ext uri="{BB962C8B-B14F-4D97-AF65-F5344CB8AC3E}">
+        <p14:creationId xmlns:p14="http://schemas.microsoft.com/office/powerpoint/2010/main" val="789411042"/>
+      </p:ext>
+    </p:extLst>
+  </p:cSld>
+  <p:clrMapOvr>
+    <a:masterClrMapping/>
+  </p:clrMapOvr>
+</p:sld>
+</file>
+
+<file path=ppt/slides/slide18.xml><?xml version="1.0" encoding="utf-8"?>
+<p:sld xmlns:a="http://schemas.openxmlformats.org/drawingml/2006/main" xmlns:r="http://schemas.openxmlformats.org/officeDocument/2006/relationships" xmlns:p="http://schemas.openxmlformats.org/presentationml/2006/main">
+  <p:cSld>
+    <p:spTree>
+      <p:nvGrpSpPr>
+        <p:cNvPr id="1" name=""/>
+        <p:cNvGrpSpPr/>
+        <p:nvPr/>
+      </p:nvGrpSpPr>
+      <p:grpSpPr>
+        <a:xfrm>
+          <a:off x="0" y="0"/>
+          <a:ext cx="0" cy="0"/>
+          <a:chOff x="0" y="0"/>
+          <a:chExt cx="0" cy="0"/>
+        </a:xfrm>
+      </p:grpSpPr>
+      <p:sp>
+        <p:nvSpPr>
+          <p:cNvPr id="2" name="제목 1">
+            <a:extLst>
+              <a:ext uri="{FF2B5EF4-FFF2-40B4-BE49-F238E27FC236}">
                 <a16:creationId xmlns:a16="http://schemas.microsoft.com/office/drawing/2014/main" id="{AC703D32-08EA-4A17-AD5F-F361330ABABD}"/>
               </a:ext>
             </a:extLst>
@@ -7145,7 +8982,7 @@
 </p:sld>
 </file>
 
-<file path=ppt/slides/slide16.xml><?xml version="1.0" encoding="utf-8"?>
+<file path=ppt/slides/slide19.xml><?xml version="1.0" encoding="utf-8"?>
 <p:sld xmlns:a="http://schemas.openxmlformats.org/drawingml/2006/main" xmlns:r="http://schemas.openxmlformats.org/officeDocument/2006/relationships" xmlns:p="http://schemas.openxmlformats.org/presentationml/2006/main">
   <p:cSld>
     <p:spTree>
@@ -7265,7 +9102,162 @@
 </p:sld>
 </file>
 
-<file path=ppt/slides/slide17.xml><?xml version="1.0" encoding="utf-8"?>
+<file path=ppt/slides/slide2.xml><?xml version="1.0" encoding="utf-8"?>
+<p:sld xmlns:a="http://schemas.openxmlformats.org/drawingml/2006/main" xmlns:r="http://schemas.openxmlformats.org/officeDocument/2006/relationships" xmlns:p="http://schemas.openxmlformats.org/presentationml/2006/main">
+  <p:cSld>
+    <p:spTree>
+      <p:nvGrpSpPr>
+        <p:cNvPr id="1" name=""/>
+        <p:cNvGrpSpPr/>
+        <p:nvPr/>
+      </p:nvGrpSpPr>
+      <p:grpSpPr>
+        <a:xfrm>
+          <a:off x="0" y="0"/>
+          <a:ext cx="0" cy="0"/>
+          <a:chOff x="0" y="0"/>
+          <a:chExt cx="0" cy="0"/>
+        </a:xfrm>
+      </p:grpSpPr>
+      <p:sp>
+        <p:nvSpPr>
+          <p:cNvPr id="2" name="제목 1">
+            <a:extLst>
+              <a:ext uri="{FF2B5EF4-FFF2-40B4-BE49-F238E27FC236}">
+                <a16:creationId xmlns:a16="http://schemas.microsoft.com/office/drawing/2014/main" id="{CB98AC6F-F8AB-43D2-ACEC-64102EF05317}"/>
+              </a:ext>
+            </a:extLst>
+          </p:cNvPr>
+          <p:cNvSpPr>
+            <a:spLocks noGrp="1"/>
+          </p:cNvSpPr>
+          <p:nvPr>
+            <p:ph type="title"/>
+          </p:nvPr>
+        </p:nvSpPr>
+        <p:spPr/>
+        <p:txBody>
+          <a:bodyPr/>
+          <a:lstStyle/>
+          <a:p>
+            <a:r>
+              <a:rPr lang="ko-KR" altLang="en-US" b="1" dirty="0"/>
+              <a:t>목차</a:t>
+            </a:r>
+          </a:p>
+        </p:txBody>
+      </p:sp>
+      <p:sp>
+        <p:nvSpPr>
+          <p:cNvPr id="3" name="내용 개체 틀 2">
+            <a:extLst>
+              <a:ext uri="{FF2B5EF4-FFF2-40B4-BE49-F238E27FC236}">
+                <a16:creationId xmlns:a16="http://schemas.microsoft.com/office/drawing/2014/main" id="{4FFBE270-06C5-47F6-9117-A28263797EE4}"/>
+              </a:ext>
+            </a:extLst>
+          </p:cNvPr>
+          <p:cNvSpPr>
+            <a:spLocks noGrp="1"/>
+          </p:cNvSpPr>
+          <p:nvPr>
+            <p:ph idx="1"/>
+          </p:nvPr>
+        </p:nvSpPr>
+        <p:spPr/>
+        <p:txBody>
+          <a:bodyPr/>
+          <a:lstStyle/>
+          <a:p>
+            <a:r>
+              <a:rPr lang="ko-KR" altLang="en-US" sz="2400" dirty="0">
+                <a:latin typeface="+mj-ea"/>
+                <a:ea typeface="+mj-ea"/>
+              </a:rPr>
+              <a:t>요약</a:t>
+            </a:r>
+            <a:endParaRPr lang="en-US" altLang="ko-KR" sz="2400" dirty="0">
+              <a:latin typeface="+mj-ea"/>
+              <a:ea typeface="+mj-ea"/>
+            </a:endParaRPr>
+          </a:p>
+          <a:p>
+            <a:r>
+              <a:rPr lang="ko-KR" altLang="en-US" sz="2400" dirty="0">
+                <a:latin typeface="+mj-ea"/>
+                <a:ea typeface="+mj-ea"/>
+              </a:rPr>
+              <a:t>서론 </a:t>
+            </a:r>
+            <a:endParaRPr lang="en-US" altLang="ko-KR" sz="2400" dirty="0">
+              <a:latin typeface="+mj-ea"/>
+              <a:ea typeface="+mj-ea"/>
+            </a:endParaRPr>
+          </a:p>
+          <a:p>
+            <a:r>
+              <a:rPr lang="en-US" altLang="ko-KR" sz="2400" dirty="0">
+                <a:latin typeface="+mj-ea"/>
+                <a:ea typeface="+mj-ea"/>
+              </a:rPr>
+              <a:t>Background</a:t>
+            </a:r>
+          </a:p>
+          <a:p>
+            <a:r>
+              <a:rPr lang="en-US" altLang="ko-KR" sz="2400" dirty="0">
+                <a:latin typeface="+mj-ea"/>
+                <a:ea typeface="+mj-ea"/>
+              </a:rPr>
+              <a:t>Methods</a:t>
+            </a:r>
+          </a:p>
+          <a:p>
+            <a:r>
+              <a:rPr lang="en-US" altLang="ko-KR" sz="2400" dirty="0">
+                <a:latin typeface="+mj-ea"/>
+                <a:ea typeface="+mj-ea"/>
+              </a:rPr>
+              <a:t>Experiments</a:t>
+            </a:r>
+          </a:p>
+          <a:p>
+            <a:r>
+              <a:rPr lang="en-US" altLang="ko-KR" sz="2400" dirty="0">
+                <a:latin typeface="+mj-ea"/>
+                <a:ea typeface="+mj-ea"/>
+              </a:rPr>
+              <a:t>Results</a:t>
+            </a:r>
+          </a:p>
+          <a:p>
+            <a:r>
+              <a:rPr lang="en-US" altLang="ko-KR" sz="2400" dirty="0">
+                <a:latin typeface="+mj-ea"/>
+                <a:ea typeface="+mj-ea"/>
+              </a:rPr>
+              <a:t>Conclusion</a:t>
+            </a:r>
+            <a:endParaRPr lang="ko-KR" altLang="en-US" sz="2400" dirty="0">
+              <a:latin typeface="+mj-ea"/>
+              <a:ea typeface="+mj-ea"/>
+            </a:endParaRPr>
+          </a:p>
+        </p:txBody>
+      </p:sp>
+    </p:spTree>
+    <p:extLst>
+      <p:ext uri="{BB962C8B-B14F-4D97-AF65-F5344CB8AC3E}">
+        <p14:creationId xmlns:p14="http://schemas.microsoft.com/office/powerpoint/2010/main" val="851946457"/>
+      </p:ext>
+    </p:extLst>
+  </p:cSld>
+  <p:clrMapOvr>
+    <a:masterClrMapping/>
+  </p:clrMapOvr>
+</p:sld>
+</file>
+
+<file path=ppt/slides/slide20.xml><?xml version="1.0" encoding="utf-8"?>
 <p:sld xmlns:a="http://schemas.openxmlformats.org/drawingml/2006/main" xmlns:r="http://schemas.openxmlformats.org/officeDocument/2006/relationships" xmlns:p="http://schemas.openxmlformats.org/presentationml/2006/main">
   <p:cSld>
     <p:spTree>
@@ -7385,7 +9377,7 @@
 </p:sld>
 </file>
 
-<file path=ppt/slides/slide18.xml><?xml version="1.0" encoding="utf-8"?>
+<file path=ppt/slides/slide21.xml><?xml version="1.0" encoding="utf-8"?>
 <p:sld xmlns:a="http://schemas.openxmlformats.org/drawingml/2006/main" xmlns:r="http://schemas.openxmlformats.org/officeDocument/2006/relationships" xmlns:p="http://schemas.openxmlformats.org/presentationml/2006/main">
   <p:cSld>
     <p:spTree>
@@ -7505,7 +9497,7 @@
 </p:sld>
 </file>
 
-<file path=ppt/slides/slide19.xml><?xml version="1.0" encoding="utf-8"?>
+<file path=ppt/slides/slide22.xml><?xml version="1.0" encoding="utf-8"?>
 <p:sld xmlns:a="http://schemas.openxmlformats.org/drawingml/2006/main" xmlns:r="http://schemas.openxmlformats.org/officeDocument/2006/relationships" xmlns:p="http://schemas.openxmlformats.org/presentationml/2006/main">
   <p:cSld>
     <p:spTree>
@@ -7592,162 +9584,7 @@
 </p:sld>
 </file>
 
-<file path=ppt/slides/slide2.xml><?xml version="1.0" encoding="utf-8"?>
-<p:sld xmlns:a="http://schemas.openxmlformats.org/drawingml/2006/main" xmlns:r="http://schemas.openxmlformats.org/officeDocument/2006/relationships" xmlns:p="http://schemas.openxmlformats.org/presentationml/2006/main">
-  <p:cSld>
-    <p:spTree>
-      <p:nvGrpSpPr>
-        <p:cNvPr id="1" name=""/>
-        <p:cNvGrpSpPr/>
-        <p:nvPr/>
-      </p:nvGrpSpPr>
-      <p:grpSpPr>
-        <a:xfrm>
-          <a:off x="0" y="0"/>
-          <a:ext cx="0" cy="0"/>
-          <a:chOff x="0" y="0"/>
-          <a:chExt cx="0" cy="0"/>
-        </a:xfrm>
-      </p:grpSpPr>
-      <p:sp>
-        <p:nvSpPr>
-          <p:cNvPr id="2" name="제목 1">
-            <a:extLst>
-              <a:ext uri="{FF2B5EF4-FFF2-40B4-BE49-F238E27FC236}">
-                <a16:creationId xmlns:a16="http://schemas.microsoft.com/office/drawing/2014/main" id="{CB98AC6F-F8AB-43D2-ACEC-64102EF05317}"/>
-              </a:ext>
-            </a:extLst>
-          </p:cNvPr>
-          <p:cNvSpPr>
-            <a:spLocks noGrp="1"/>
-          </p:cNvSpPr>
-          <p:nvPr>
-            <p:ph type="title"/>
-          </p:nvPr>
-        </p:nvSpPr>
-        <p:spPr/>
-        <p:txBody>
-          <a:bodyPr/>
-          <a:lstStyle/>
-          <a:p>
-            <a:r>
-              <a:rPr lang="ko-KR" altLang="en-US" b="1" dirty="0"/>
-              <a:t>목차</a:t>
-            </a:r>
-          </a:p>
-        </p:txBody>
-      </p:sp>
-      <p:sp>
-        <p:nvSpPr>
-          <p:cNvPr id="3" name="내용 개체 틀 2">
-            <a:extLst>
-              <a:ext uri="{FF2B5EF4-FFF2-40B4-BE49-F238E27FC236}">
-                <a16:creationId xmlns:a16="http://schemas.microsoft.com/office/drawing/2014/main" id="{4FFBE270-06C5-47F6-9117-A28263797EE4}"/>
-              </a:ext>
-            </a:extLst>
-          </p:cNvPr>
-          <p:cNvSpPr>
-            <a:spLocks noGrp="1"/>
-          </p:cNvSpPr>
-          <p:nvPr>
-            <p:ph idx="1"/>
-          </p:nvPr>
-        </p:nvSpPr>
-        <p:spPr/>
-        <p:txBody>
-          <a:bodyPr/>
-          <a:lstStyle/>
-          <a:p>
-            <a:r>
-              <a:rPr lang="ko-KR" altLang="en-US" sz="2400" dirty="0">
-                <a:latin typeface="+mj-ea"/>
-                <a:ea typeface="+mj-ea"/>
-              </a:rPr>
-              <a:t>요약</a:t>
-            </a:r>
-            <a:endParaRPr lang="en-US" altLang="ko-KR" sz="2400" dirty="0">
-              <a:latin typeface="+mj-ea"/>
-              <a:ea typeface="+mj-ea"/>
-            </a:endParaRPr>
-          </a:p>
-          <a:p>
-            <a:r>
-              <a:rPr lang="ko-KR" altLang="en-US" sz="2400" dirty="0">
-                <a:latin typeface="+mj-ea"/>
-                <a:ea typeface="+mj-ea"/>
-              </a:rPr>
-              <a:t>서론 </a:t>
-            </a:r>
-            <a:endParaRPr lang="en-US" altLang="ko-KR" sz="2400" dirty="0">
-              <a:latin typeface="+mj-ea"/>
-              <a:ea typeface="+mj-ea"/>
-            </a:endParaRPr>
-          </a:p>
-          <a:p>
-            <a:r>
-              <a:rPr lang="en-US" altLang="ko-KR" sz="2400" dirty="0">
-                <a:latin typeface="+mj-ea"/>
-                <a:ea typeface="+mj-ea"/>
-              </a:rPr>
-              <a:t>Background</a:t>
-            </a:r>
-          </a:p>
-          <a:p>
-            <a:r>
-              <a:rPr lang="en-US" altLang="ko-KR" sz="2400" dirty="0">
-                <a:latin typeface="+mj-ea"/>
-                <a:ea typeface="+mj-ea"/>
-              </a:rPr>
-              <a:t>Methods</a:t>
-            </a:r>
-          </a:p>
-          <a:p>
-            <a:r>
-              <a:rPr lang="en-US" altLang="ko-KR" sz="2400" dirty="0">
-                <a:latin typeface="+mj-ea"/>
-                <a:ea typeface="+mj-ea"/>
-              </a:rPr>
-              <a:t>Experiments</a:t>
-            </a:r>
-          </a:p>
-          <a:p>
-            <a:r>
-              <a:rPr lang="en-US" altLang="ko-KR" sz="2400" dirty="0">
-                <a:latin typeface="+mj-ea"/>
-                <a:ea typeface="+mj-ea"/>
-              </a:rPr>
-              <a:t>Results</a:t>
-            </a:r>
-          </a:p>
-          <a:p>
-            <a:r>
-              <a:rPr lang="en-US" altLang="ko-KR" sz="2400" dirty="0">
-                <a:latin typeface="+mj-ea"/>
-                <a:ea typeface="+mj-ea"/>
-              </a:rPr>
-              <a:t>Conclusion</a:t>
-            </a:r>
-            <a:endParaRPr lang="ko-KR" altLang="en-US" sz="2400" dirty="0">
-              <a:latin typeface="+mj-ea"/>
-              <a:ea typeface="+mj-ea"/>
-            </a:endParaRPr>
-          </a:p>
-        </p:txBody>
-      </p:sp>
-    </p:spTree>
-    <p:extLst>
-      <p:ext uri="{BB962C8B-B14F-4D97-AF65-F5344CB8AC3E}">
-        <p14:creationId xmlns:p14="http://schemas.microsoft.com/office/powerpoint/2010/main" val="851946457"/>
-      </p:ext>
-    </p:extLst>
-  </p:cSld>
-  <p:clrMapOvr>
-    <a:masterClrMapping/>
-  </p:clrMapOvr>
-</p:sld>
-</file>
-
-<file path=ppt/slides/slide20.xml><?xml version="1.0" encoding="utf-8"?>
+<file path=ppt/slides/slide23.xml><?xml version="1.0" encoding="utf-8"?>
 <p:sld xmlns:a="http://schemas.openxmlformats.org/drawingml/2006/main" xmlns:r="http://schemas.openxmlformats.org/officeDocument/2006/relationships" xmlns:p="http://schemas.openxmlformats.org/presentationml/2006/main">
   <p:cSld>
     <p:spTree>
@@ -8547,15 +10384,15 @@
             <a:pPr lvl="1"/>
             <a:r>
               <a:rPr lang="ko-KR" altLang="en-US" sz="2000" dirty="0"/>
-              <a:t>그러나 </a:t>
+              <a:t>그러나 각 </a:t>
             </a:r>
             <a:r>
               <a:rPr lang="en-US" altLang="ko-KR" sz="2000" dirty="0"/>
-              <a:t>Environment</a:t>
+              <a:t>Agent</a:t>
             </a:r>
             <a:r>
               <a:rPr lang="ko-KR" altLang="en-US" sz="2000" dirty="0"/>
-              <a:t>가 불완전 해진다</a:t>
+              <a:t>끼리 정보 공유가 없어 효과적이지 않다</a:t>
             </a:r>
             <a:r>
               <a:rPr lang="en-US" altLang="ko-KR" sz="2000" dirty="0"/>
@@ -8752,7 +10589,7 @@
             </a:r>
             <a:r>
               <a:rPr lang="ko-KR" altLang="en-US" sz="1600" dirty="0"/>
-              <a:t>확률에 따라 증대 시킨다</a:t>
+              <a:t>확률에 따라 축적 시킨다</a:t>
             </a:r>
             <a:endParaRPr lang="en-US" altLang="ko-KR" sz="1600" dirty="0"/>
           </a:p>
@@ -8818,15 +10655,7 @@
             </a:r>
             <a:r>
               <a:rPr lang="ko-KR" altLang="en-US" sz="1600" dirty="0"/>
-              <a:t>의 </a:t>
-            </a:r>
-            <a:r>
-              <a:rPr lang="ko-KR" altLang="en-US" sz="1600" dirty="0" err="1"/>
-              <a:t>불완정성을</a:t>
-            </a:r>
-            <a:r>
-              <a:rPr lang="ko-KR" altLang="en-US" sz="1600" dirty="0"/>
-              <a:t> 방지함</a:t>
+              <a:t>의 불완전성을 방지함</a:t>
             </a:r>
             <a:endParaRPr lang="en-US" altLang="ko-KR" sz="1600" dirty="0"/>
           </a:p>

--- a/Multi_Agent/PPTX/Stabilising Experience Replay for Deep Multi-Agent Reinforcement Learning.pptx
+++ b/Multi_Agent/PPTX/Stabilising Experience Replay for Deep Multi-Agent Reinforcement Learning.pptx
@@ -553,49 +553,6 @@
           <a:bodyPr/>
           <a:lstStyle/>
           <a:p>
-            <a:r>
-              <a:rPr lang="en-US" altLang="ko-KR" sz="1200" dirty="0" err="1"/>
-              <a:t>Decentralised</a:t>
-            </a:r>
-            <a:r>
-              <a:rPr lang="en-US" altLang="ko-KR" sz="1200" dirty="0"/>
-              <a:t> – </a:t>
-            </a:r>
-            <a:r>
-              <a:rPr lang="ko-KR" altLang="en-US" sz="1200" dirty="0"/>
-              <a:t>각 </a:t>
-            </a:r>
-            <a:r>
-              <a:rPr lang="en-US" altLang="ko-KR" sz="1200" dirty="0"/>
-              <a:t>Agent</a:t>
-            </a:r>
-            <a:r>
-              <a:rPr lang="ko-KR" altLang="en-US" sz="1200" dirty="0"/>
-              <a:t>들의 행동</a:t>
-            </a:r>
-            <a:endParaRPr lang="en-US" altLang="ko-KR" sz="1200" dirty="0"/>
-          </a:p>
-          <a:p>
-            <a:r>
-              <a:rPr lang="en-US" altLang="ko-KR" sz="1200" spc="-150" dirty="0" err="1"/>
-              <a:t>Centralised</a:t>
-            </a:r>
-            <a:r>
-              <a:rPr lang="en-US" altLang="ko-KR" sz="1200" spc="-150" dirty="0"/>
-              <a:t>  - </a:t>
-            </a:r>
-            <a:r>
-              <a:rPr lang="en-US" altLang="ko-KR" sz="1200" dirty="0" err="1"/>
-              <a:t>Decentralised</a:t>
-            </a:r>
-            <a:r>
-              <a:rPr lang="en-US" altLang="ko-KR" sz="1200" dirty="0"/>
-              <a:t> </a:t>
-            </a:r>
-            <a:r>
-              <a:rPr lang="ko-KR" altLang="en-US" sz="1200" dirty="0"/>
-              <a:t>행동을 모아 협동 플레이 함</a:t>
-            </a:r>
             <a:endParaRPr lang="ko-KR" altLang="en-US" dirty="0"/>
           </a:p>
         </p:txBody>
@@ -680,37 +637,6 @@
           <a:bodyPr/>
           <a:lstStyle/>
           <a:p>
-            <a:pPr marL="0" marR="0" lvl="0" indent="0" algn="l" defTabSz="914400" rtl="0" eaLnBrk="1" fontAlgn="auto" latinLnBrk="1" hangingPunct="1">
-              <a:lnSpc>
-                <a:spcPct val="100000"/>
-              </a:lnSpc>
-              <a:spcBef>
-                <a:spcPts val="0"/>
-              </a:spcBef>
-              <a:spcAft>
-                <a:spcPts val="0"/>
-              </a:spcAft>
-              <a:buClrTx/>
-              <a:buSzTx/>
-              <a:buFontTx/>
-              <a:buNone/>
-              <a:tabLst/>
-              <a:defRPr/>
-            </a:pPr>
-            <a:r>
-              <a:rPr lang="en-US" altLang="ko-KR" sz="1200" dirty="0"/>
-              <a:t>Thus, Q-learning algorithms can be applied to arbitrarily complex problems (with a very large state space) but their </a:t>
-            </a:r>
-            <a:r>
-              <a:rPr lang="en-US" altLang="ko-KR" sz="1200" b="1" u="sng" dirty="0"/>
-              <a:t>action space has to be limited</a:t>
-            </a:r>
-            <a:r>
-              <a:rPr lang="en-US" altLang="ko-KR" sz="1200" dirty="0"/>
-              <a:t>. </a:t>
-            </a:r>
-          </a:p>
-          <a:p>
             <a:endParaRPr lang="ko-KR" altLang="en-US" dirty="0"/>
           </a:p>
         </p:txBody>
@@ -795,37 +721,6 @@
           <a:bodyPr/>
           <a:lstStyle/>
           <a:p>
-            <a:pPr marL="0" marR="0" lvl="0" indent="0" algn="l" defTabSz="914400" rtl="0" eaLnBrk="1" fontAlgn="auto" latinLnBrk="1" hangingPunct="1">
-              <a:lnSpc>
-                <a:spcPct val="100000"/>
-              </a:lnSpc>
-              <a:spcBef>
-                <a:spcPts val="0"/>
-              </a:spcBef>
-              <a:spcAft>
-                <a:spcPts val="0"/>
-              </a:spcAft>
-              <a:buClrTx/>
-              <a:buSzTx/>
-              <a:buFontTx/>
-              <a:buNone/>
-              <a:tabLst/>
-              <a:defRPr/>
-            </a:pPr>
-            <a:r>
-              <a:rPr lang="en-US" altLang="ko-KR" sz="1200" dirty="0"/>
-              <a:t>Thus, Q-learning algorithms can be applied to arbitrarily complex problems (with a very large state space) but their </a:t>
-            </a:r>
-            <a:r>
-              <a:rPr lang="en-US" altLang="ko-KR" sz="1200" b="1" u="sng" dirty="0"/>
-              <a:t>action space has to be limited</a:t>
-            </a:r>
-            <a:r>
-              <a:rPr lang="en-US" altLang="ko-KR" sz="1200" dirty="0"/>
-              <a:t>. </a:t>
-            </a:r>
-          </a:p>
-          <a:p>
             <a:endParaRPr lang="ko-KR" altLang="en-US" dirty="0"/>
           </a:p>
         </p:txBody>
@@ -910,37 +805,6 @@
           <a:bodyPr/>
           <a:lstStyle/>
           <a:p>
-            <a:pPr marL="0" marR="0" lvl="0" indent="0" algn="l" defTabSz="914400" rtl="0" eaLnBrk="1" fontAlgn="auto" latinLnBrk="1" hangingPunct="1">
-              <a:lnSpc>
-                <a:spcPct val="100000"/>
-              </a:lnSpc>
-              <a:spcBef>
-                <a:spcPts val="0"/>
-              </a:spcBef>
-              <a:spcAft>
-                <a:spcPts val="0"/>
-              </a:spcAft>
-              <a:buClrTx/>
-              <a:buSzTx/>
-              <a:buFontTx/>
-              <a:buNone/>
-              <a:tabLst/>
-              <a:defRPr/>
-            </a:pPr>
-            <a:r>
-              <a:rPr lang="en-US" altLang="ko-KR" sz="1200" dirty="0"/>
-              <a:t>Thus, Q-learning algorithms can be applied to arbitrarily complex problems (with a very large state space) but their </a:t>
-            </a:r>
-            <a:r>
-              <a:rPr lang="en-US" altLang="ko-KR" sz="1200" b="1" u="sng" dirty="0"/>
-              <a:t>action space has to be limited</a:t>
-            </a:r>
-            <a:r>
-              <a:rPr lang="en-US" altLang="ko-KR" sz="1200" dirty="0"/>
-              <a:t>. </a:t>
-            </a:r>
-          </a:p>
-          <a:p>
             <a:endParaRPr lang="ko-KR" altLang="en-US" dirty="0"/>
           </a:p>
         </p:txBody>
@@ -1025,37 +889,6 @@
           <a:bodyPr/>
           <a:lstStyle/>
           <a:p>
-            <a:pPr marL="0" marR="0" lvl="0" indent="0" algn="l" defTabSz="914400" rtl="0" eaLnBrk="1" fontAlgn="auto" latinLnBrk="1" hangingPunct="1">
-              <a:lnSpc>
-                <a:spcPct val="100000"/>
-              </a:lnSpc>
-              <a:spcBef>
-                <a:spcPts val="0"/>
-              </a:spcBef>
-              <a:spcAft>
-                <a:spcPts val="0"/>
-              </a:spcAft>
-              <a:buClrTx/>
-              <a:buSzTx/>
-              <a:buFontTx/>
-              <a:buNone/>
-              <a:tabLst/>
-              <a:defRPr/>
-            </a:pPr>
-            <a:r>
-              <a:rPr lang="en-US" altLang="ko-KR" sz="1200" dirty="0"/>
-              <a:t>Thus, Q-learning algorithms can be applied to arbitrarily complex problems (with a very large state space) but their </a:t>
-            </a:r>
-            <a:r>
-              <a:rPr lang="en-US" altLang="ko-KR" sz="1200" b="1" u="sng" dirty="0"/>
-              <a:t>action space has to be limited</a:t>
-            </a:r>
-            <a:r>
-              <a:rPr lang="en-US" altLang="ko-KR" sz="1200" dirty="0"/>
-              <a:t>. </a:t>
-            </a:r>
-          </a:p>
-          <a:p>
             <a:endParaRPr lang="ko-KR" altLang="en-US" dirty="0"/>
           </a:p>
         </p:txBody>
@@ -1140,37 +973,6 @@
           <a:bodyPr/>
           <a:lstStyle/>
           <a:p>
-            <a:pPr marL="0" marR="0" lvl="0" indent="0" algn="l" defTabSz="914400" rtl="0" eaLnBrk="1" fontAlgn="auto" latinLnBrk="1" hangingPunct="1">
-              <a:lnSpc>
-                <a:spcPct val="100000"/>
-              </a:lnSpc>
-              <a:spcBef>
-                <a:spcPts val="0"/>
-              </a:spcBef>
-              <a:spcAft>
-                <a:spcPts val="0"/>
-              </a:spcAft>
-              <a:buClrTx/>
-              <a:buSzTx/>
-              <a:buFontTx/>
-              <a:buNone/>
-              <a:tabLst/>
-              <a:defRPr/>
-            </a:pPr>
-            <a:r>
-              <a:rPr lang="en-US" altLang="ko-KR" sz="1200" dirty="0"/>
-              <a:t>Thus, Q-learning algorithms can be applied to arbitrarily complex problems (with a very large state space) but their </a:t>
-            </a:r>
-            <a:r>
-              <a:rPr lang="en-US" altLang="ko-KR" sz="1200" b="1" u="sng" dirty="0"/>
-              <a:t>action space has to be limited</a:t>
-            </a:r>
-            <a:r>
-              <a:rPr lang="en-US" altLang="ko-KR" sz="1200" dirty="0"/>
-              <a:t>. </a:t>
-            </a:r>
-          </a:p>
-          <a:p>
             <a:endParaRPr lang="ko-KR" altLang="en-US" dirty="0"/>
           </a:p>
         </p:txBody>
@@ -1255,37 +1057,6 @@
           <a:bodyPr/>
           <a:lstStyle/>
           <a:p>
-            <a:pPr marL="0" marR="0" lvl="0" indent="0" algn="l" defTabSz="914400" rtl="0" eaLnBrk="1" fontAlgn="auto" latinLnBrk="1" hangingPunct="1">
-              <a:lnSpc>
-                <a:spcPct val="100000"/>
-              </a:lnSpc>
-              <a:spcBef>
-                <a:spcPts val="0"/>
-              </a:spcBef>
-              <a:spcAft>
-                <a:spcPts val="0"/>
-              </a:spcAft>
-              <a:buClrTx/>
-              <a:buSzTx/>
-              <a:buFontTx/>
-              <a:buNone/>
-              <a:tabLst/>
-              <a:defRPr/>
-            </a:pPr>
-            <a:r>
-              <a:rPr lang="en-US" altLang="ko-KR" sz="1200" dirty="0"/>
-              <a:t>Thus, Q-learning algorithms can be applied to arbitrarily complex problems (with a very large state space) but their </a:t>
-            </a:r>
-            <a:r>
-              <a:rPr lang="en-US" altLang="ko-KR" sz="1200" b="1" u="sng" dirty="0"/>
-              <a:t>action space has to be limited</a:t>
-            </a:r>
-            <a:r>
-              <a:rPr lang="en-US" altLang="ko-KR" sz="1200" dirty="0"/>
-              <a:t>. </a:t>
-            </a:r>
-          </a:p>
-          <a:p>
             <a:endParaRPr lang="ko-KR" altLang="en-US" dirty="0"/>
           </a:p>
         </p:txBody>
@@ -1370,37 +1141,6 @@
           <a:bodyPr/>
           <a:lstStyle/>
           <a:p>
-            <a:pPr marL="0" marR="0" lvl="0" indent="0" algn="l" defTabSz="914400" rtl="0" eaLnBrk="1" fontAlgn="auto" latinLnBrk="1" hangingPunct="1">
-              <a:lnSpc>
-                <a:spcPct val="100000"/>
-              </a:lnSpc>
-              <a:spcBef>
-                <a:spcPts val="0"/>
-              </a:spcBef>
-              <a:spcAft>
-                <a:spcPts val="0"/>
-              </a:spcAft>
-              <a:buClrTx/>
-              <a:buSzTx/>
-              <a:buFontTx/>
-              <a:buNone/>
-              <a:tabLst/>
-              <a:defRPr/>
-            </a:pPr>
-            <a:r>
-              <a:rPr lang="en-US" altLang="ko-KR" sz="1200" dirty="0"/>
-              <a:t>Thus, Q-learning algorithms can be applied to arbitrarily complex problems (with a very large state space) but their </a:t>
-            </a:r>
-            <a:r>
-              <a:rPr lang="en-US" altLang="ko-KR" sz="1200" b="1" u="sng" dirty="0"/>
-              <a:t>action space has to be limited</a:t>
-            </a:r>
-            <a:r>
-              <a:rPr lang="en-US" altLang="ko-KR" sz="1200" dirty="0"/>
-              <a:t>. </a:t>
-            </a:r>
-          </a:p>
-          <a:p>
             <a:endParaRPr lang="ko-KR" altLang="en-US" dirty="0"/>
           </a:p>
         </p:txBody>
@@ -1485,37 +1225,6 @@
           <a:bodyPr/>
           <a:lstStyle/>
           <a:p>
-            <a:pPr marL="0" marR="0" lvl="0" indent="0" algn="l" defTabSz="914400" rtl="0" eaLnBrk="1" fontAlgn="auto" latinLnBrk="1" hangingPunct="1">
-              <a:lnSpc>
-                <a:spcPct val="100000"/>
-              </a:lnSpc>
-              <a:spcBef>
-                <a:spcPts val="0"/>
-              </a:spcBef>
-              <a:spcAft>
-                <a:spcPts val="0"/>
-              </a:spcAft>
-              <a:buClrTx/>
-              <a:buSzTx/>
-              <a:buFontTx/>
-              <a:buNone/>
-              <a:tabLst/>
-              <a:defRPr/>
-            </a:pPr>
-            <a:r>
-              <a:rPr lang="en-US" altLang="ko-KR" sz="1200" dirty="0"/>
-              <a:t>Thus, Q-learning algorithms can be applied to arbitrarily complex problems (with a very large state space) but their </a:t>
-            </a:r>
-            <a:r>
-              <a:rPr lang="en-US" altLang="ko-KR" sz="1200" b="1" u="sng" dirty="0"/>
-              <a:t>action space has to be limited</a:t>
-            </a:r>
-            <a:r>
-              <a:rPr lang="en-US" altLang="ko-KR" sz="1200" dirty="0"/>
-              <a:t>. </a:t>
-            </a:r>
-          </a:p>
-          <a:p>
             <a:endParaRPr lang="ko-KR" altLang="en-US" dirty="0"/>
           </a:p>
         </p:txBody>
@@ -1600,37 +1309,6 @@
           <a:bodyPr/>
           <a:lstStyle/>
           <a:p>
-            <a:pPr marL="0" marR="0" lvl="0" indent="0" algn="l" defTabSz="914400" rtl="0" eaLnBrk="1" fontAlgn="auto" latinLnBrk="1" hangingPunct="1">
-              <a:lnSpc>
-                <a:spcPct val="100000"/>
-              </a:lnSpc>
-              <a:spcBef>
-                <a:spcPts val="0"/>
-              </a:spcBef>
-              <a:spcAft>
-                <a:spcPts val="0"/>
-              </a:spcAft>
-              <a:buClrTx/>
-              <a:buSzTx/>
-              <a:buFontTx/>
-              <a:buNone/>
-              <a:tabLst/>
-              <a:defRPr/>
-            </a:pPr>
-            <a:r>
-              <a:rPr lang="en-US" altLang="ko-KR" sz="1200" dirty="0"/>
-              <a:t>Thus, Q-learning algorithms can be applied to arbitrarily complex problems (with a very large state space) but their </a:t>
-            </a:r>
-            <a:r>
-              <a:rPr lang="en-US" altLang="ko-KR" sz="1200" b="1" u="sng" dirty="0"/>
-              <a:t>action space has to be limited</a:t>
-            </a:r>
-            <a:r>
-              <a:rPr lang="en-US" altLang="ko-KR" sz="1200" dirty="0"/>
-              <a:t>. </a:t>
-            </a:r>
-          </a:p>
-          <a:p>
             <a:endParaRPr lang="ko-KR" altLang="en-US" dirty="0"/>
           </a:p>
         </p:txBody>
@@ -1715,37 +1393,6 @@
           <a:bodyPr/>
           <a:lstStyle/>
           <a:p>
-            <a:pPr marL="0" marR="0" lvl="0" indent="0" algn="l" defTabSz="914400" rtl="0" eaLnBrk="1" fontAlgn="auto" latinLnBrk="1" hangingPunct="1">
-              <a:lnSpc>
-                <a:spcPct val="100000"/>
-              </a:lnSpc>
-              <a:spcBef>
-                <a:spcPts val="0"/>
-              </a:spcBef>
-              <a:spcAft>
-                <a:spcPts val="0"/>
-              </a:spcAft>
-              <a:buClrTx/>
-              <a:buSzTx/>
-              <a:buFontTx/>
-              <a:buNone/>
-              <a:tabLst/>
-              <a:defRPr/>
-            </a:pPr>
-            <a:r>
-              <a:rPr lang="en-US" altLang="ko-KR" sz="1200" dirty="0"/>
-              <a:t>Thus, Q-learning algorithms can be applied to arbitrarily complex problems (with a very large state space) but their </a:t>
-            </a:r>
-            <a:r>
-              <a:rPr lang="en-US" altLang="ko-KR" sz="1200" b="1" u="sng" dirty="0"/>
-              <a:t>action space has to be limited</a:t>
-            </a:r>
-            <a:r>
-              <a:rPr lang="en-US" altLang="ko-KR" sz="1200" dirty="0"/>
-              <a:t>. </a:t>
-            </a:r>
-          </a:p>
-          <a:p>
             <a:endParaRPr lang="ko-KR" altLang="en-US" dirty="0"/>
           </a:p>
         </p:txBody>
@@ -1830,37 +1477,6 @@
           <a:bodyPr/>
           <a:lstStyle/>
           <a:p>
-            <a:pPr marL="0" marR="0" lvl="0" indent="0" algn="l" defTabSz="914400" rtl="0" eaLnBrk="1" fontAlgn="auto" latinLnBrk="1" hangingPunct="1">
-              <a:lnSpc>
-                <a:spcPct val="100000"/>
-              </a:lnSpc>
-              <a:spcBef>
-                <a:spcPts val="0"/>
-              </a:spcBef>
-              <a:spcAft>
-                <a:spcPts val="0"/>
-              </a:spcAft>
-              <a:buClrTx/>
-              <a:buSzTx/>
-              <a:buFontTx/>
-              <a:buNone/>
-              <a:tabLst/>
-              <a:defRPr/>
-            </a:pPr>
-            <a:r>
-              <a:rPr lang="en-US" altLang="ko-KR" sz="1200" dirty="0"/>
-              <a:t>Thus, Q-learning algorithms can be applied to arbitrarily complex problems (with a very large state space) but their </a:t>
-            </a:r>
-            <a:r>
-              <a:rPr lang="en-US" altLang="ko-KR" sz="1200" b="1" u="sng" dirty="0"/>
-              <a:t>action space has to be limited</a:t>
-            </a:r>
-            <a:r>
-              <a:rPr lang="en-US" altLang="ko-KR" sz="1200" dirty="0"/>
-              <a:t>. </a:t>
-            </a:r>
-          </a:p>
-          <a:p>
             <a:endParaRPr lang="ko-KR" altLang="en-US" dirty="0"/>
           </a:p>
         </p:txBody>
@@ -1962,20 +1578,6 @@
               <a:tabLst/>
               <a:defRPr/>
             </a:pPr>
-            <a:r>
-              <a:rPr lang="en-US" altLang="ko-KR" sz="1200" dirty="0"/>
-              <a:t>Thus, Q-learning algorithms can be applied to arbitrarily complex problems (with a very large state space) but their </a:t>
-            </a:r>
-            <a:r>
-              <a:rPr lang="en-US" altLang="ko-KR" sz="1200" b="1" u="sng" dirty="0"/>
-              <a:t>action space has to be limited</a:t>
-            </a:r>
-            <a:r>
-              <a:rPr lang="en-US" altLang="ko-KR" sz="1200" dirty="0"/>
-              <a:t>. </a:t>
-            </a:r>
-          </a:p>
-          <a:p>
             <a:endParaRPr lang="ko-KR" altLang="en-US" dirty="0"/>
           </a:p>
         </p:txBody>
@@ -2059,37 +1661,6 @@
         <p:txBody>
           <a:bodyPr/>
           <a:lstStyle/>
-          <a:p>
-            <a:pPr marL="0" marR="0" lvl="0" indent="0" algn="l" defTabSz="914400" rtl="0" eaLnBrk="1" fontAlgn="auto" latinLnBrk="1" hangingPunct="1">
-              <a:lnSpc>
-                <a:spcPct val="100000"/>
-              </a:lnSpc>
-              <a:spcBef>
-                <a:spcPts val="0"/>
-              </a:spcBef>
-              <a:spcAft>
-                <a:spcPts val="0"/>
-              </a:spcAft>
-              <a:buClrTx/>
-              <a:buSzTx/>
-              <a:buFontTx/>
-              <a:buNone/>
-              <a:tabLst/>
-              <a:defRPr/>
-            </a:pPr>
-            <a:r>
-              <a:rPr lang="en-US" altLang="ko-KR" sz="1200" dirty="0"/>
-              <a:t>Thus, Q-learning algorithms can be applied to arbitrarily complex problems (with a very large state space) but their </a:t>
-            </a:r>
-            <a:r>
-              <a:rPr lang="en-US" altLang="ko-KR" sz="1200" b="1" u="sng" dirty="0"/>
-              <a:t>action space has to be limited</a:t>
-            </a:r>
-            <a:r>
-              <a:rPr lang="en-US" altLang="ko-KR" sz="1200" dirty="0"/>
-              <a:t>. </a:t>
-            </a:r>
-          </a:p>
           <a:p>
             <a:endParaRPr lang="ko-KR" altLang="en-US" dirty="0"/>
           </a:p>
@@ -6750,7 +6321,7 @@
           <a:p>
             <a:r>
               <a:rPr lang="en-US" altLang="ko-KR" sz="3600" b="1" dirty="0"/>
-              <a:t>SMAC- Multi-Agent Importance Sampling</a:t>
+              <a:t>Multi-Agent Importance Sampling</a:t>
             </a:r>
             <a:endParaRPr lang="ko-KR" altLang="en-US" sz="3600" b="1" dirty="0"/>
           </a:p>
@@ -8559,7 +8130,7 @@
         </p:blipFill>
         <p:spPr>
           <a:xfrm>
-            <a:off x="1674822" y="5259339"/>
+            <a:off x="1674822" y="5229200"/>
             <a:ext cx="4968552" cy="717680"/>
           </a:xfrm>
           <a:prstGeom prst="rect">
@@ -9081,7 +8652,7 @@
         </p:blipFill>
         <p:spPr>
           <a:xfrm>
-            <a:off x="1403648" y="1606019"/>
+            <a:off x="1547664" y="1598315"/>
             <a:ext cx="6336704" cy="5251981"/>
           </a:xfrm>
           <a:prstGeom prst="rect">
@@ -9476,7 +9047,7 @@
         </p:blipFill>
         <p:spPr>
           <a:xfrm>
-            <a:off x="2386012" y="1601787"/>
+            <a:off x="2267744" y="1721792"/>
             <a:ext cx="4371975" cy="4981575"/>
           </a:xfrm>
           <a:prstGeom prst="rect">
@@ -9653,41 +9224,30 @@
           <a:p>
             <a:r>
               <a:rPr lang="en-US" altLang="ko-KR" sz="2400" dirty="0"/>
-              <a:t>OFFER: Off-Environment Reinforcement Learning(</a:t>
-            </a:r>
-            <a:r>
-              <a:rPr lang="en-US" altLang="ko-KR" sz="2400" dirty="0" err="1"/>
-              <a:t>Ciosek</a:t>
-            </a:r>
+              <a:t>importance sampling </a:t>
+            </a:r>
+            <a:r>
+              <a:rPr lang="ko-KR" altLang="en-US" sz="2400" dirty="0"/>
+              <a:t>사용</a:t>
+            </a:r>
+            <a:endParaRPr lang="en-US" altLang="ko-KR" sz="2400" dirty="0"/>
+          </a:p>
+          <a:p>
+            <a:endParaRPr lang="en-US" altLang="ko-KR" sz="2400" dirty="0"/>
+          </a:p>
+          <a:p>
             <a:r>
               <a:rPr lang="en-US" altLang="ko-KR" sz="2400" dirty="0"/>
-              <a:t>, </a:t>
-            </a:r>
-            <a:r>
-              <a:rPr lang="en-US" altLang="ko-KR" sz="2400" dirty="0" err="1"/>
-              <a:t>Whiteson</a:t>
-            </a:r>
-            <a:r>
-              <a:rPr lang="en-US" altLang="ko-KR" sz="2400" dirty="0"/>
-              <a:t> 2017)</a:t>
-            </a:r>
-          </a:p>
-          <a:p>
+              <a:t>Fingerprint </a:t>
+            </a:r>
+            <a:r>
+              <a:rPr lang="ko-KR" altLang="en-US" sz="2400" dirty="0"/>
+              <a:t>기법 두 가지 제시 및 성능 확인</a:t>
+            </a:r>
             <a:endParaRPr lang="en-US" altLang="ko-KR" sz="2400" dirty="0"/>
           </a:p>
           <a:p>
-            <a:r>
-              <a:rPr lang="en-US" altLang="ko-KR" sz="2400" dirty="0"/>
-              <a:t>hyper Q-learning (</a:t>
-            </a:r>
-            <a:r>
-              <a:rPr lang="en-US" altLang="ko-KR" sz="2400" dirty="0" err="1"/>
-              <a:t>Tesauro</a:t>
-            </a:r>
-            <a:r>
-              <a:rPr lang="en-US" altLang="ko-KR" sz="2400" dirty="0"/>
-              <a:t>, 2003)</a:t>
-            </a:r>
+            <a:endParaRPr lang="en-US" altLang="ko-KR" sz="2400" dirty="0"/>
           </a:p>
           <a:p>
             <a:endParaRPr lang="en-US" altLang="ko-KR" sz="2400" dirty="0"/>
